--- a/spark_cluster/notebooks/examples/tarea_NoSQL.pptx
+++ b/spark_cluster/notebooks/examples/tarea_NoSQL.pptx
@@ -555,7 +555,7 @@
             <a:pPr rtl="0"/>
             <a:fld id="{7260543F-C6AC-4A94-9181-2A0B47128E40}" type="datetime1">
               <a:rPr lang="de-DE" smtClean="0"/>
-              <a:t>25.03.2025</a:t>
+              <a:t>26.03.2025</a:t>
             </a:fld>
             <a:endParaRPr lang="en-US" dirty="0"/>
           </a:p>
@@ -623,7 +623,7 @@
             <a:pPr rtl="0"/>
             <a:fld id="{ED92CB86-0DB9-4A70-B1CF-B23508471F6B}" type="slidenum">
               <a:rPr lang="en-US" smtClean="0"/>
-              <a:t>‹Nr.›</a:t>
+              <a:t>‹#›</a:t>
             </a:fld>
             <a:endParaRPr lang="en-US"/>
           </a:p>
@@ -725,7 +725,7 @@
             <a:pPr rtl="0"/>
             <a:fld id="{BB4411EF-09CB-4E62-A9ED-59F7AB2BB401}" type="datetime1">
               <a:rPr lang="de-DE" smtClean="0"/>
-              <a:t>25.03.2025</a:t>
+              <a:t>26.03.2025</a:t>
             </a:fld>
             <a:endParaRPr lang="en-US"/>
           </a:p>
@@ -888,7 +888,7 @@
             <a:pPr rtl="0"/>
             <a:fld id="{9C2B151B-D7D1-48E5-8230-5AADBC794F88}" type="slidenum">
               <a:rPr lang="en-US" smtClean="0"/>
-              <a:t>‹Nr.›</a:t>
+              <a:t>‹#›</a:t>
             </a:fld>
             <a:endParaRPr lang="en-US"/>
           </a:p>
@@ -1148,7 +1148,7 @@
             <a:pPr rtl="0"/>
             <a:fld id="{D058F8EF-9461-4DB5-8DE8-65F0C8AF5E0D}" type="datetime1">
               <a:rPr lang="de-DE" smtClean="0"/>
-              <a:t>25.03.2025</a:t>
+              <a:t>26.03.2025</a:t>
             </a:fld>
             <a:endParaRPr lang="en-US" dirty="0"/>
           </a:p>
@@ -1204,7 +1204,7 @@
             <a:pPr rtl="0"/>
             <a:fld id="{3A98EE3D-8CD1-4C3F-BD1C-C98C9596463C}" type="slidenum">
               <a:rPr lang="en-US" smtClean="0"/>
-              <a:t>‹Nr.›</a:t>
+              <a:t>‹#›</a:t>
             </a:fld>
             <a:endParaRPr lang="en-US" dirty="0"/>
           </a:p>
@@ -1351,7 +1351,7 @@
             <a:pPr rtl="0"/>
             <a:fld id="{A4B84E5B-C9E8-4DB6-BA34-0E271B709DFA}" type="datetime1">
               <a:rPr lang="de-DE" smtClean="0"/>
-              <a:t>25.03.2025</a:t>
+              <a:t>26.03.2025</a:t>
             </a:fld>
             <a:endParaRPr lang="en-US" dirty="0"/>
           </a:p>
@@ -1407,7 +1407,7 @@
             <a:pPr rtl="0"/>
             <a:fld id="{3A98EE3D-8CD1-4C3F-BD1C-C98C9596463C}" type="slidenum">
               <a:rPr lang="en-US" smtClean="0"/>
-              <a:t>‹Nr.›</a:t>
+              <a:t>‹#›</a:t>
             </a:fld>
             <a:endParaRPr lang="en-US" dirty="0"/>
           </a:p>
@@ -1564,7 +1564,7 @@
             <a:pPr rtl="0"/>
             <a:fld id="{F650C74D-3EC7-4807-8009-B91685601A76}" type="datetime1">
               <a:rPr lang="de-DE" smtClean="0"/>
-              <a:t>25.03.2025</a:t>
+              <a:t>26.03.2025</a:t>
             </a:fld>
             <a:endParaRPr lang="en-US" dirty="0"/>
           </a:p>
@@ -1620,7 +1620,7 @@
             <a:pPr rtl="0"/>
             <a:fld id="{3A98EE3D-8CD1-4C3F-BD1C-C98C9596463C}" type="slidenum">
               <a:rPr lang="en-US" smtClean="0"/>
-              <a:t>‹Nr.›</a:t>
+              <a:t>‹#›</a:t>
             </a:fld>
             <a:endParaRPr lang="en-US" dirty="0"/>
           </a:p>
@@ -1767,7 +1767,7 @@
             <a:pPr rtl="0"/>
             <a:fld id="{CA5E3BD6-493E-4773-AC13-EE70A9E3F498}" type="datetime1">
               <a:rPr lang="de-DE" smtClean="0"/>
-              <a:t>25.03.2025</a:t>
+              <a:t>26.03.2025</a:t>
             </a:fld>
             <a:endParaRPr lang="en-US" dirty="0"/>
           </a:p>
@@ -1823,7 +1823,7 @@
             <a:pPr rtl="0"/>
             <a:fld id="{3A98EE3D-8CD1-4C3F-BD1C-C98C9596463C}" type="slidenum">
               <a:rPr lang="en-US" smtClean="0"/>
-              <a:t>‹Nr.›</a:t>
+              <a:t>‹#›</a:t>
             </a:fld>
             <a:endParaRPr lang="en-US" dirty="0"/>
           </a:p>
@@ -2046,7 +2046,7 @@
             <a:pPr rtl="0"/>
             <a:fld id="{C5518B76-3D47-40C3-B678-8969E3806FFF}" type="datetime1">
               <a:rPr lang="de-DE" smtClean="0"/>
-              <a:t>25.03.2025</a:t>
+              <a:t>26.03.2025</a:t>
             </a:fld>
             <a:endParaRPr lang="en-US" dirty="0"/>
           </a:p>
@@ -2102,7 +2102,7 @@
             <a:pPr rtl="0"/>
             <a:fld id="{3A98EE3D-8CD1-4C3F-BD1C-C98C9596463C}" type="slidenum">
               <a:rPr lang="en-US" smtClean="0"/>
-              <a:t>‹Nr.›</a:t>
+              <a:t>‹#›</a:t>
             </a:fld>
             <a:endParaRPr lang="en-US" dirty="0"/>
           </a:p>
@@ -2318,7 +2318,7 @@
             <a:pPr rtl="0"/>
             <a:fld id="{4CD334EC-5459-4A98-AF88-01FD6D7BAF68}" type="datetime1">
               <a:rPr lang="de-DE" smtClean="0"/>
-              <a:t>25.03.2025</a:t>
+              <a:t>26.03.2025</a:t>
             </a:fld>
             <a:endParaRPr lang="en-US" dirty="0"/>
           </a:p>
@@ -2374,7 +2374,7 @@
             <a:pPr rtl="0"/>
             <a:fld id="{3A98EE3D-8CD1-4C3F-BD1C-C98C9596463C}" type="slidenum">
               <a:rPr lang="en-US" smtClean="0"/>
-              <a:t>‹Nr.›</a:t>
+              <a:t>‹#›</a:t>
             </a:fld>
             <a:endParaRPr lang="en-US" dirty="0"/>
           </a:p>
@@ -2736,7 +2736,7 @@
             <a:pPr rtl="0"/>
             <a:fld id="{62F56688-ED28-473C-871E-9EEF4BB0D1F0}" type="datetime1">
               <a:rPr lang="de-DE" smtClean="0"/>
-              <a:t>25.03.2025</a:t>
+              <a:t>26.03.2025</a:t>
             </a:fld>
             <a:endParaRPr lang="en-US" dirty="0"/>
           </a:p>
@@ -2792,7 +2792,7 @@
             <a:pPr rtl="0"/>
             <a:fld id="{3A98EE3D-8CD1-4C3F-BD1C-C98C9596463C}" type="slidenum">
               <a:rPr lang="en-US" smtClean="0"/>
-              <a:t>‹Nr.›</a:t>
+              <a:t>‹#›</a:t>
             </a:fld>
             <a:endParaRPr lang="en-US" dirty="0"/>
           </a:p>
@@ -2881,7 +2881,7 @@
             <a:pPr rtl="0"/>
             <a:fld id="{F9110680-7D80-41F3-804A-113A4CB11D73}" type="datetime1">
               <a:rPr lang="de-DE" smtClean="0"/>
-              <a:t>25.03.2025</a:t>
+              <a:t>26.03.2025</a:t>
             </a:fld>
             <a:endParaRPr lang="en-US" dirty="0"/>
           </a:p>
@@ -2937,7 +2937,7 @@
             <a:pPr rtl="0"/>
             <a:fld id="{3A98EE3D-8CD1-4C3F-BD1C-C98C9596463C}" type="slidenum">
               <a:rPr lang="en-US" smtClean="0"/>
-              <a:t>‹Nr.›</a:t>
+              <a:t>‹#›</a:t>
             </a:fld>
             <a:endParaRPr lang="en-US" dirty="0"/>
           </a:p>
@@ -2997,7 +2997,7 @@
             <a:pPr rtl="0"/>
             <a:fld id="{7E7F7112-C41D-45A5-B762-BC15064583EE}" type="datetime1">
               <a:rPr lang="de-DE" smtClean="0"/>
-              <a:t>25.03.2025</a:t>
+              <a:t>26.03.2025</a:t>
             </a:fld>
             <a:endParaRPr lang="en-US" dirty="0"/>
           </a:p>
@@ -3053,7 +3053,7 @@
             <a:pPr rtl="0"/>
             <a:fld id="{3A98EE3D-8CD1-4C3F-BD1C-C98C9596463C}" type="slidenum">
               <a:rPr lang="en-US" smtClean="0"/>
-              <a:t>‹Nr.›</a:t>
+              <a:t>‹#›</a:t>
             </a:fld>
             <a:endParaRPr lang="en-US" dirty="0"/>
           </a:p>
@@ -3313,7 +3313,7 @@
             <a:pPr rtl="0"/>
             <a:fld id="{C5518B76-3D47-40C3-B678-8969E3806FFF}" type="datetime1">
               <a:rPr lang="de-DE" smtClean="0"/>
-              <a:t>25.03.2025</a:t>
+              <a:t>26.03.2025</a:t>
             </a:fld>
             <a:endParaRPr lang="en-US" dirty="0"/>
           </a:p>
@@ -3369,7 +3369,7 @@
             <a:pPr rtl="0"/>
             <a:fld id="{3A98EE3D-8CD1-4C3F-BD1C-C98C9596463C}" type="slidenum">
               <a:rPr lang="en-US" smtClean="0"/>
-              <a:t>‹Nr.›</a:t>
+              <a:t>‹#›</a:t>
             </a:fld>
             <a:endParaRPr lang="en-US" dirty="0"/>
           </a:p>
@@ -3606,7 +3606,7 @@
             <a:pPr rtl="0"/>
             <a:fld id="{C5518B76-3D47-40C3-B678-8969E3806FFF}" type="datetime1">
               <a:rPr lang="de-DE" smtClean="0"/>
-              <a:t>25.03.2025</a:t>
+              <a:t>26.03.2025</a:t>
             </a:fld>
             <a:endParaRPr lang="en-US" dirty="0"/>
           </a:p>
@@ -3662,7 +3662,7 @@
             <a:pPr rtl="0"/>
             <a:fld id="{3A98EE3D-8CD1-4C3F-BD1C-C98C9596463C}" type="slidenum">
               <a:rPr lang="en-US" smtClean="0"/>
-              <a:t>‹Nr.›</a:t>
+              <a:t>‹#›</a:t>
             </a:fld>
             <a:endParaRPr lang="en-US" dirty="0"/>
           </a:p>
@@ -3853,7 +3853,7 @@
             <a:pPr rtl="0"/>
             <a:fld id="{C5518B76-3D47-40C3-B678-8969E3806FFF}" type="datetime1">
               <a:rPr lang="de-DE" smtClean="0"/>
-              <a:t>25.03.2025</a:t>
+              <a:t>26.03.2025</a:t>
             </a:fld>
             <a:endParaRPr lang="en-US" dirty="0"/>
           </a:p>
@@ -3945,7 +3945,7 @@
             <a:pPr rtl="0"/>
             <a:fld id="{3A98EE3D-8CD1-4C3F-BD1C-C98C9596463C}" type="slidenum">
               <a:rPr lang="en-US" smtClean="0"/>
-              <a:t>‹Nr.›</a:t>
+              <a:t>‹#›</a:t>
             </a:fld>
             <a:endParaRPr lang="en-US" dirty="0"/>
           </a:p>
@@ -4915,7 +4915,7 @@
                   <a:spcPts val="600"/>
                 </a:spcAft>
               </a:pPr>
-              <a:t>25.03.2025</a:t>
+              <a:t>26.03.2025</a:t>
             </a:fld>
             <a:endParaRPr lang="en-US"/>
           </a:p>
@@ -5033,7 +5033,7 @@
                 <a:ea typeface="Aptos" panose="020B0004020202020204" pitchFamily="34" charset="0"/>
                 <a:cs typeface="Arial" panose="020B0604020202020204" pitchFamily="34" charset="0"/>
               </a:rPr>
-              <a:t>run -d --name neo4j-iteso \</a:t>
+              <a:t>Docker run -d --name neo4j-iteso \</a:t>
             </a:r>
             <a:endParaRPr lang="es-CO" i="1" kern="100" dirty="0">
               <a:latin typeface="Aptos" panose="020B0004020202020204" pitchFamily="34" charset="0"/>
@@ -5772,7 +5772,7 @@
             <a:pPr rtl="0"/>
             <a:fld id="{7E7F7112-C41D-45A5-B762-BC15064583EE}" type="datetime1">
               <a:rPr lang="de-DE" smtClean="0"/>
-              <a:t>25.03.2025</a:t>
+              <a:t>26.03.2025</a:t>
             </a:fld>
             <a:endParaRPr lang="en-US" dirty="0"/>
           </a:p>
@@ -5906,7 +5906,7 @@
                   <a:spcPts val="600"/>
                 </a:spcAft>
               </a:pPr>
-              <a:t>25.03.2025</a:t>
+              <a:t>26.03.2025</a:t>
             </a:fld>
             <a:endParaRPr lang="en-US"/>
           </a:p>
@@ -6022,7 +6022,7 @@
                   <a:spcPts val="600"/>
                 </a:spcAft>
               </a:pPr>
-              <a:t>25.03.2025</a:t>
+              <a:t>26.03.2025</a:t>
             </a:fld>
             <a:endParaRPr lang="en-US"/>
           </a:p>
@@ -6135,7 +6135,7 @@
                   <a:spcPts val="600"/>
                 </a:spcAft>
               </a:pPr>
-              <a:t>25.03.2025</a:t>
+              <a:t>26.03.2025</a:t>
             </a:fld>
             <a:endParaRPr lang="en-US"/>
           </a:p>

--- a/spark_cluster/notebooks/examples/tarea_NoSQL.pptx
+++ b/spark_cluster/notebooks/examples/tarea_NoSQL.pptx
@@ -5,10 +5,10 @@
     <p:sldMasterId id="2147483750" r:id="rId1"/>
   </p:sldMasterIdLst>
   <p:notesMasterIdLst>
-    <p:notesMasterId r:id="rId9"/>
+    <p:notesMasterId r:id="rId12"/>
   </p:notesMasterIdLst>
   <p:handoutMasterIdLst>
-    <p:handoutMasterId r:id="rId10"/>
+    <p:handoutMasterId r:id="rId13"/>
   </p:handoutMasterIdLst>
   <p:sldIdLst>
     <p:sldId id="257" r:id="rId2"/>
@@ -17,7 +17,10 @@
     <p:sldId id="263" r:id="rId5"/>
     <p:sldId id="262" r:id="rId6"/>
     <p:sldId id="265" r:id="rId7"/>
-    <p:sldId id="264" r:id="rId8"/>
+    <p:sldId id="266" r:id="rId8"/>
+    <p:sldId id="269" r:id="rId9"/>
+    <p:sldId id="267" r:id="rId10"/>
+    <p:sldId id="264" r:id="rId11"/>
   </p:sldIdLst>
   <p:sldSz cx="12192000" cy="6858000"/>
   <p:notesSz cx="6858000" cy="9144000"/>
@@ -623,7 +626,7 @@
             <a:pPr rtl="0"/>
             <a:fld id="{ED92CB86-0DB9-4A70-B1CF-B23508471F6B}" type="slidenum">
               <a:rPr lang="en-US" smtClean="0"/>
-              <a:t>‹#›</a:t>
+              <a:t>‹Nº›</a:t>
             </a:fld>
             <a:endParaRPr lang="en-US"/>
           </a:p>
@@ -888,7 +891,7 @@
             <a:pPr rtl="0"/>
             <a:fld id="{9C2B151B-D7D1-48E5-8230-5AADBC794F88}" type="slidenum">
               <a:rPr lang="en-US" smtClean="0"/>
-              <a:t>‹#›</a:t>
+              <a:t>‹Nº›</a:t>
             </a:fld>
             <a:endParaRPr lang="en-US"/>
           </a:p>
@@ -1204,7 +1207,7 @@
             <a:pPr rtl="0"/>
             <a:fld id="{3A98EE3D-8CD1-4C3F-BD1C-C98C9596463C}" type="slidenum">
               <a:rPr lang="en-US" smtClean="0"/>
-              <a:t>‹#›</a:t>
+              <a:t>‹Nº›</a:t>
             </a:fld>
             <a:endParaRPr lang="en-US" dirty="0"/>
           </a:p>
@@ -1407,7 +1410,7 @@
             <a:pPr rtl="0"/>
             <a:fld id="{3A98EE3D-8CD1-4C3F-BD1C-C98C9596463C}" type="slidenum">
               <a:rPr lang="en-US" smtClean="0"/>
-              <a:t>‹#›</a:t>
+              <a:t>‹Nº›</a:t>
             </a:fld>
             <a:endParaRPr lang="en-US" dirty="0"/>
           </a:p>
@@ -1620,7 +1623,7 @@
             <a:pPr rtl="0"/>
             <a:fld id="{3A98EE3D-8CD1-4C3F-BD1C-C98C9596463C}" type="slidenum">
               <a:rPr lang="en-US" smtClean="0"/>
-              <a:t>‹#›</a:t>
+              <a:t>‹Nº›</a:t>
             </a:fld>
             <a:endParaRPr lang="en-US" dirty="0"/>
           </a:p>
@@ -1823,7 +1826,7 @@
             <a:pPr rtl="0"/>
             <a:fld id="{3A98EE3D-8CD1-4C3F-BD1C-C98C9596463C}" type="slidenum">
               <a:rPr lang="en-US" smtClean="0"/>
-              <a:t>‹#›</a:t>
+              <a:t>‹Nº›</a:t>
             </a:fld>
             <a:endParaRPr lang="en-US" dirty="0"/>
           </a:p>
@@ -2102,7 +2105,7 @@
             <a:pPr rtl="0"/>
             <a:fld id="{3A98EE3D-8CD1-4C3F-BD1C-C98C9596463C}" type="slidenum">
               <a:rPr lang="en-US" smtClean="0"/>
-              <a:t>‹#›</a:t>
+              <a:t>‹Nº›</a:t>
             </a:fld>
             <a:endParaRPr lang="en-US" dirty="0"/>
           </a:p>
@@ -2374,7 +2377,7 @@
             <a:pPr rtl="0"/>
             <a:fld id="{3A98EE3D-8CD1-4C3F-BD1C-C98C9596463C}" type="slidenum">
               <a:rPr lang="en-US" smtClean="0"/>
-              <a:t>‹#›</a:t>
+              <a:t>‹Nº›</a:t>
             </a:fld>
             <a:endParaRPr lang="en-US" dirty="0"/>
           </a:p>
@@ -2792,7 +2795,7 @@
             <a:pPr rtl="0"/>
             <a:fld id="{3A98EE3D-8CD1-4C3F-BD1C-C98C9596463C}" type="slidenum">
               <a:rPr lang="en-US" smtClean="0"/>
-              <a:t>‹#›</a:t>
+              <a:t>‹Nº›</a:t>
             </a:fld>
             <a:endParaRPr lang="en-US" dirty="0"/>
           </a:p>
@@ -2937,7 +2940,7 @@
             <a:pPr rtl="0"/>
             <a:fld id="{3A98EE3D-8CD1-4C3F-BD1C-C98C9596463C}" type="slidenum">
               <a:rPr lang="en-US" smtClean="0"/>
-              <a:t>‹#›</a:t>
+              <a:t>‹Nº›</a:t>
             </a:fld>
             <a:endParaRPr lang="en-US" dirty="0"/>
           </a:p>
@@ -3053,7 +3056,7 @@
             <a:pPr rtl="0"/>
             <a:fld id="{3A98EE3D-8CD1-4C3F-BD1C-C98C9596463C}" type="slidenum">
               <a:rPr lang="en-US" smtClean="0"/>
-              <a:t>‹#›</a:t>
+              <a:t>‹Nº›</a:t>
             </a:fld>
             <a:endParaRPr lang="en-US" dirty="0"/>
           </a:p>
@@ -3369,7 +3372,7 @@
             <a:pPr rtl="0"/>
             <a:fld id="{3A98EE3D-8CD1-4C3F-BD1C-C98C9596463C}" type="slidenum">
               <a:rPr lang="en-US" smtClean="0"/>
-              <a:t>‹#›</a:t>
+              <a:t>‹Nº›</a:t>
             </a:fld>
             <a:endParaRPr lang="en-US" dirty="0"/>
           </a:p>
@@ -3662,7 +3665,7 @@
             <a:pPr rtl="0"/>
             <a:fld id="{3A98EE3D-8CD1-4C3F-BD1C-C98C9596463C}" type="slidenum">
               <a:rPr lang="en-US" smtClean="0"/>
-              <a:t>‹#›</a:t>
+              <a:t>‹Nº›</a:t>
             </a:fld>
             <a:endParaRPr lang="en-US" dirty="0"/>
           </a:p>
@@ -3945,7 +3948,7 @@
             <a:pPr rtl="0"/>
             <a:fld id="{3A98EE3D-8CD1-4C3F-BD1C-C98C9596463C}" type="slidenum">
               <a:rPr lang="en-US" smtClean="0"/>
-              <a:t>‹#›</a:t>
+              <a:t>‹Nº›</a:t>
             </a:fld>
             <a:endParaRPr lang="en-US" dirty="0"/>
           </a:p>
@@ -4433,6 +4436,330 @@
 </p:sld>
 </file>
 
+<file path=ppt/slides/slide10.xml><?xml version="1.0" encoding="utf-8"?>
+<p:sld xmlns:a="http://schemas.openxmlformats.org/drawingml/2006/main" xmlns:r="http://schemas.openxmlformats.org/officeDocument/2006/relationships" xmlns:p="http://schemas.openxmlformats.org/presentationml/2006/main">
+  <p:cSld>
+    <p:spTree>
+      <p:nvGrpSpPr>
+        <p:cNvPr id="1" name="">
+          <a:extLst>
+            <a:ext uri="{FF2B5EF4-FFF2-40B4-BE49-F238E27FC236}">
+              <a16:creationId xmlns:a16="http://schemas.microsoft.com/office/drawing/2014/main" id="{227372A5-0593-4602-906D-91927F6A320D}"/>
+            </a:ext>
+          </a:extLst>
+        </p:cNvPr>
+        <p:cNvGrpSpPr/>
+        <p:nvPr/>
+      </p:nvGrpSpPr>
+      <p:grpSpPr>
+        <a:xfrm>
+          <a:off x="0" y="0"/>
+          <a:ext cx="0" cy="0"/>
+          <a:chOff x="0" y="0"/>
+          <a:chExt cx="0" cy="0"/>
+        </a:xfrm>
+      </p:grpSpPr>
+      <p:sp>
+        <p:nvSpPr>
+          <p:cNvPr id="56" name="Date Placeholder 4">
+            <a:extLst>
+              <a:ext uri="{FF2B5EF4-FFF2-40B4-BE49-F238E27FC236}">
+                <a16:creationId xmlns:a16="http://schemas.microsoft.com/office/drawing/2014/main" id="{52DEA48E-5193-0522-4EEE-4DD9CD51324B}"/>
+              </a:ext>
+            </a:extLst>
+          </p:cNvPr>
+          <p:cNvSpPr>
+            <a:spLocks noGrp="1"/>
+          </p:cNvSpPr>
+          <p:nvPr>
+            <p:ph type="dt" sz="half" idx="10"/>
+          </p:nvPr>
+        </p:nvSpPr>
+        <p:spPr/>
+        <p:txBody>
+          <a:bodyPr/>
+          <a:lstStyle/>
+          <a:p>
+            <a:pPr rtl="0">
+              <a:spcAft>
+                <a:spcPts val="600"/>
+              </a:spcAft>
+            </a:pPr>
+            <a:fld id="{4CD334EC-5459-4A98-AF88-01FD6D7BAF68}" type="datetime1">
+              <a:rPr lang="de-DE" smtClean="0"/>
+              <a:pPr rtl="0">
+                <a:spcAft>
+                  <a:spcPts val="600"/>
+                </a:spcAft>
+              </a:pPr>
+              <a:t>26.03.2025</a:t>
+            </a:fld>
+            <a:endParaRPr lang="en-US"/>
+          </a:p>
+        </p:txBody>
+      </p:sp>
+      <p:sp>
+        <p:nvSpPr>
+          <p:cNvPr id="2" name="Titel 1">
+            <a:extLst>
+              <a:ext uri="{FF2B5EF4-FFF2-40B4-BE49-F238E27FC236}">
+                <a16:creationId xmlns:a16="http://schemas.microsoft.com/office/drawing/2014/main" id="{D56E6485-FA60-7ECC-7476-FA141AB87699}"/>
+              </a:ext>
+            </a:extLst>
+          </p:cNvPr>
+          <p:cNvSpPr>
+            <a:spLocks noGrp="1"/>
+          </p:cNvSpPr>
+          <p:nvPr>
+            <p:ph type="title" idx="4294967295"/>
+          </p:nvPr>
+        </p:nvSpPr>
+        <p:spPr>
+          <a:xfrm>
+            <a:off x="1066800" y="592959"/>
+            <a:ext cx="10058400" cy="682625"/>
+          </a:xfrm>
+        </p:spPr>
+        <p:txBody>
+          <a:bodyPr rtlCol="0" anchor="b">
+            <a:noAutofit/>
+          </a:bodyPr>
+          <a:lstStyle/>
+          <a:p>
+            <a:pPr lvl="0" rtl="0"/>
+            <a:r>
+              <a:rPr lang="de" sz="4800" b="1" i="1" u="sng" dirty="0">
+                <a:latin typeface="Bahnschrift Light" panose="020B0502040204020203" pitchFamily="34" charset="0"/>
+              </a:rPr>
+              <a:t>Problems we faced</a:t>
+            </a:r>
+          </a:p>
+        </p:txBody>
+      </p:sp>
+      <p:sp>
+        <p:nvSpPr>
+          <p:cNvPr id="3" name="Untertitel 2">
+            <a:extLst>
+              <a:ext uri="{FF2B5EF4-FFF2-40B4-BE49-F238E27FC236}">
+                <a16:creationId xmlns:a16="http://schemas.microsoft.com/office/drawing/2014/main" id="{578F52F0-4F44-5641-8BD0-783F6AF572A4}"/>
+              </a:ext>
+            </a:extLst>
+          </p:cNvPr>
+          <p:cNvSpPr txBox="1">
+            <a:spLocks/>
+          </p:cNvSpPr>
+          <p:nvPr/>
+        </p:nvSpPr>
+        <p:spPr>
+          <a:xfrm>
+            <a:off x="612139" y="1470314"/>
+            <a:ext cx="6257918" cy="4762845"/>
+          </a:xfrm>
+          <a:prstGeom prst="rect">
+            <a:avLst/>
+          </a:prstGeom>
+        </p:spPr>
+        <p:txBody>
+          <a:bodyPr vert="horz" lIns="91440" tIns="45720" rIns="91440" bIns="45720" rtlCol="0">
+            <a:normAutofit/>
+          </a:bodyPr>
+          <a:lstStyle>
+            <a:lvl1pPr marL="228600" indent="-228600" algn="l" defTabSz="914400" rtl="0" eaLnBrk="1" latinLnBrk="0" hangingPunct="1">
+              <a:lnSpc>
+                <a:spcPct val="90000"/>
+              </a:lnSpc>
+              <a:spcBef>
+                <a:spcPts val="1000"/>
+              </a:spcBef>
+              <a:buFont typeface="Arial" panose="020B0604020202020204" pitchFamily="34" charset="0"/>
+              <a:buChar char="•"/>
+              <a:defRPr sz="2800" kern="1200">
+                <a:solidFill>
+                  <a:schemeClr val="tx1"/>
+                </a:solidFill>
+                <a:latin typeface="+mn-lt"/>
+                <a:ea typeface="+mn-ea"/>
+                <a:cs typeface="+mn-cs"/>
+              </a:defRPr>
+            </a:lvl1pPr>
+            <a:lvl2pPr marL="685800" indent="-228600" algn="l" defTabSz="914400" rtl="0" eaLnBrk="1" latinLnBrk="0" hangingPunct="1">
+              <a:lnSpc>
+                <a:spcPct val="90000"/>
+              </a:lnSpc>
+              <a:spcBef>
+                <a:spcPts val="500"/>
+              </a:spcBef>
+              <a:buFont typeface="Arial" panose="020B0604020202020204" pitchFamily="34" charset="0"/>
+              <a:buChar char="•"/>
+              <a:defRPr sz="2400" kern="1200">
+                <a:solidFill>
+                  <a:schemeClr val="tx1"/>
+                </a:solidFill>
+                <a:latin typeface="+mn-lt"/>
+                <a:ea typeface="+mn-ea"/>
+                <a:cs typeface="+mn-cs"/>
+              </a:defRPr>
+            </a:lvl2pPr>
+            <a:lvl3pPr marL="1143000" indent="-228600" algn="l" defTabSz="914400" rtl="0" eaLnBrk="1" latinLnBrk="0" hangingPunct="1">
+              <a:lnSpc>
+                <a:spcPct val="90000"/>
+              </a:lnSpc>
+              <a:spcBef>
+                <a:spcPts val="500"/>
+              </a:spcBef>
+              <a:buFont typeface="Arial" panose="020B0604020202020204" pitchFamily="34" charset="0"/>
+              <a:buChar char="•"/>
+              <a:defRPr sz="2000" kern="1200">
+                <a:solidFill>
+                  <a:schemeClr val="tx1"/>
+                </a:solidFill>
+                <a:latin typeface="+mn-lt"/>
+                <a:ea typeface="+mn-ea"/>
+                <a:cs typeface="+mn-cs"/>
+              </a:defRPr>
+            </a:lvl3pPr>
+            <a:lvl4pPr marL="1600200" indent="-228600" algn="l" defTabSz="914400" rtl="0" eaLnBrk="1" latinLnBrk="0" hangingPunct="1">
+              <a:lnSpc>
+                <a:spcPct val="90000"/>
+              </a:lnSpc>
+              <a:spcBef>
+                <a:spcPts val="500"/>
+              </a:spcBef>
+              <a:buFont typeface="Arial" panose="020B0604020202020204" pitchFamily="34" charset="0"/>
+              <a:buChar char="•"/>
+              <a:defRPr sz="1800" kern="1200">
+                <a:solidFill>
+                  <a:schemeClr val="tx1"/>
+                </a:solidFill>
+                <a:latin typeface="+mn-lt"/>
+                <a:ea typeface="+mn-ea"/>
+                <a:cs typeface="+mn-cs"/>
+              </a:defRPr>
+            </a:lvl4pPr>
+            <a:lvl5pPr marL="2057400" indent="-228600" algn="l" defTabSz="914400" rtl="0" eaLnBrk="1" latinLnBrk="0" hangingPunct="1">
+              <a:lnSpc>
+                <a:spcPct val="90000"/>
+              </a:lnSpc>
+              <a:spcBef>
+                <a:spcPts val="500"/>
+              </a:spcBef>
+              <a:buFont typeface="Arial" panose="020B0604020202020204" pitchFamily="34" charset="0"/>
+              <a:buChar char="•"/>
+              <a:defRPr sz="1800" kern="1200">
+                <a:solidFill>
+                  <a:schemeClr val="tx1"/>
+                </a:solidFill>
+                <a:latin typeface="+mn-lt"/>
+                <a:ea typeface="+mn-ea"/>
+                <a:cs typeface="+mn-cs"/>
+              </a:defRPr>
+            </a:lvl5pPr>
+            <a:lvl6pPr marL="2514600" indent="-228600" algn="l" defTabSz="914400" rtl="0" eaLnBrk="1" latinLnBrk="0" hangingPunct="1">
+              <a:lnSpc>
+                <a:spcPct val="90000"/>
+              </a:lnSpc>
+              <a:spcBef>
+                <a:spcPts val="500"/>
+              </a:spcBef>
+              <a:buFont typeface="Arial" panose="020B0604020202020204" pitchFamily="34" charset="0"/>
+              <a:buChar char="•"/>
+              <a:defRPr sz="1800" kern="1200">
+                <a:solidFill>
+                  <a:schemeClr val="tx1"/>
+                </a:solidFill>
+                <a:latin typeface="+mn-lt"/>
+                <a:ea typeface="+mn-ea"/>
+                <a:cs typeface="+mn-cs"/>
+              </a:defRPr>
+            </a:lvl6pPr>
+            <a:lvl7pPr marL="2971800" indent="-228600" algn="l" defTabSz="914400" rtl="0" eaLnBrk="1" latinLnBrk="0" hangingPunct="1">
+              <a:lnSpc>
+                <a:spcPct val="90000"/>
+              </a:lnSpc>
+              <a:spcBef>
+                <a:spcPts val="500"/>
+              </a:spcBef>
+              <a:buFont typeface="Arial" panose="020B0604020202020204" pitchFamily="34" charset="0"/>
+              <a:buChar char="•"/>
+              <a:defRPr sz="1800" kern="1200">
+                <a:solidFill>
+                  <a:schemeClr val="tx1"/>
+                </a:solidFill>
+                <a:latin typeface="+mn-lt"/>
+                <a:ea typeface="+mn-ea"/>
+                <a:cs typeface="+mn-cs"/>
+              </a:defRPr>
+            </a:lvl7pPr>
+            <a:lvl8pPr marL="3429000" indent="-228600" algn="l" defTabSz="914400" rtl="0" eaLnBrk="1" latinLnBrk="0" hangingPunct="1">
+              <a:lnSpc>
+                <a:spcPct val="90000"/>
+              </a:lnSpc>
+              <a:spcBef>
+                <a:spcPts val="500"/>
+              </a:spcBef>
+              <a:buFont typeface="Arial" panose="020B0604020202020204" pitchFamily="34" charset="0"/>
+              <a:buChar char="•"/>
+              <a:defRPr sz="1800" kern="1200">
+                <a:solidFill>
+                  <a:schemeClr val="tx1"/>
+                </a:solidFill>
+                <a:latin typeface="+mn-lt"/>
+                <a:ea typeface="+mn-ea"/>
+                <a:cs typeface="+mn-cs"/>
+              </a:defRPr>
+            </a:lvl8pPr>
+            <a:lvl9pPr marL="3886200" indent="-228600" algn="l" defTabSz="914400" rtl="0" eaLnBrk="1" latinLnBrk="0" hangingPunct="1">
+              <a:lnSpc>
+                <a:spcPct val="90000"/>
+              </a:lnSpc>
+              <a:spcBef>
+                <a:spcPts val="500"/>
+              </a:spcBef>
+              <a:buFont typeface="Arial" panose="020B0604020202020204" pitchFamily="34" charset="0"/>
+              <a:buChar char="•"/>
+              <a:defRPr sz="1800" kern="1200">
+                <a:solidFill>
+                  <a:schemeClr val="tx1"/>
+                </a:solidFill>
+                <a:latin typeface="+mn-lt"/>
+                <a:ea typeface="+mn-ea"/>
+                <a:cs typeface="+mn-cs"/>
+              </a:defRPr>
+            </a:lvl9pPr>
+          </a:lstStyle>
+          <a:p>
+            <a:pPr marL="0" indent="0">
+              <a:buFont typeface="Arial" panose="020B0604020202020204" pitchFamily="34" charset="0"/>
+              <a:buNone/>
+            </a:pPr>
+            <a:endParaRPr lang="de" dirty="0"/>
+          </a:p>
+          <a:p>
+            <a:pPr marL="0" indent="0">
+              <a:buFont typeface="Arial" panose="020B0604020202020204" pitchFamily="34" charset="0"/>
+              <a:buNone/>
+            </a:pPr>
+            <a:r>
+              <a:rPr lang="de" sz="3200" b="1" dirty="0"/>
+              <a:t>- Finding the connector .jar</a:t>
+            </a:r>
+            <a:endParaRPr lang="de" dirty="0"/>
+          </a:p>
+        </p:txBody>
+      </p:sp>
+    </p:spTree>
+    <p:extLst>
+      <p:ext uri="{BB962C8B-B14F-4D97-AF65-F5344CB8AC3E}">
+        <p14:creationId xmlns:p14="http://schemas.microsoft.com/office/powerpoint/2010/main" val="219548777"/>
+      </p:ext>
+    </p:extLst>
+  </p:cSld>
+  <p:clrMapOvr>
+    <a:masterClrMapping/>
+  </p:clrMapOvr>
+</p:sld>
+</file>
+
 <file path=ppt/slides/slide2.xml><?xml version="1.0" encoding="utf-8"?>
 <p:sld xmlns:a="http://schemas.openxmlformats.org/drawingml/2006/main" xmlns:r="http://schemas.openxmlformats.org/officeDocument/2006/relationships" xmlns:p="http://schemas.openxmlformats.org/presentationml/2006/main">
   <p:cSld>
@@ -5942,17 +6269,370 @@
           <a:p>
             <a:pPr lvl="0" rtl="0"/>
             <a:r>
-              <a:rPr lang="de" sz="4800" b="1" i="1" u="sng">
+              <a:rPr lang="de" sz="4800" b="1" i="1" u="sng" dirty="0">
                 <a:latin typeface="Bahnschrift Light" panose="020B0502040204020203" pitchFamily="34" charset="0"/>
               </a:rPr>
-              <a:t>Jupyter Notebook Example</a:t>
-            </a:r>
-            <a:endParaRPr lang="de" sz="4800" b="1" i="1" u="sng" dirty="0">
-              <a:latin typeface="Bahnschrift Light" panose="020B0502040204020203" pitchFamily="34" charset="0"/>
-            </a:endParaRPr>
-          </a:p>
-        </p:txBody>
-      </p:sp>
+              <a:t>Neo4j connector download</a:t>
+            </a:r>
+          </a:p>
+        </p:txBody>
+      </p:sp>
+      <p:sp>
+        <p:nvSpPr>
+          <p:cNvPr id="3" name="Untertitel 2">
+            <a:extLst>
+              <a:ext uri="{FF2B5EF4-FFF2-40B4-BE49-F238E27FC236}">
+                <a16:creationId xmlns:a16="http://schemas.microsoft.com/office/drawing/2014/main" id="{F7AD0300-C523-86DF-DF20-828BD52D9F4F}"/>
+              </a:ext>
+            </a:extLst>
+          </p:cNvPr>
+          <p:cNvSpPr txBox="1">
+            <a:spLocks/>
+          </p:cNvSpPr>
+          <p:nvPr/>
+        </p:nvSpPr>
+        <p:spPr>
+          <a:xfrm>
+            <a:off x="612139" y="1470315"/>
+            <a:ext cx="5955809" cy="3858770"/>
+          </a:xfrm>
+          <a:prstGeom prst="rect">
+            <a:avLst/>
+          </a:prstGeom>
+        </p:spPr>
+        <p:txBody>
+          <a:bodyPr vert="horz" lIns="91440" tIns="45720" rIns="91440" bIns="45720" rtlCol="0">
+            <a:normAutofit fontScale="62500" lnSpcReduction="20000"/>
+          </a:bodyPr>
+          <a:lstStyle>
+            <a:lvl1pPr marL="228600" indent="-228600" algn="l" defTabSz="914400" rtl="0" eaLnBrk="1" latinLnBrk="0" hangingPunct="1">
+              <a:lnSpc>
+                <a:spcPct val="90000"/>
+              </a:lnSpc>
+              <a:spcBef>
+                <a:spcPts val="1000"/>
+              </a:spcBef>
+              <a:buFont typeface="Arial" panose="020B0604020202020204" pitchFamily="34" charset="0"/>
+              <a:buChar char="•"/>
+              <a:defRPr sz="2800" kern="1200">
+                <a:solidFill>
+                  <a:schemeClr val="tx1"/>
+                </a:solidFill>
+                <a:latin typeface="+mn-lt"/>
+                <a:ea typeface="+mn-ea"/>
+                <a:cs typeface="+mn-cs"/>
+              </a:defRPr>
+            </a:lvl1pPr>
+            <a:lvl2pPr marL="685800" indent="-228600" algn="l" defTabSz="914400" rtl="0" eaLnBrk="1" latinLnBrk="0" hangingPunct="1">
+              <a:lnSpc>
+                <a:spcPct val="90000"/>
+              </a:lnSpc>
+              <a:spcBef>
+                <a:spcPts val="500"/>
+              </a:spcBef>
+              <a:buFont typeface="Arial" panose="020B0604020202020204" pitchFamily="34" charset="0"/>
+              <a:buChar char="•"/>
+              <a:defRPr sz="2400" kern="1200">
+                <a:solidFill>
+                  <a:schemeClr val="tx1"/>
+                </a:solidFill>
+                <a:latin typeface="+mn-lt"/>
+                <a:ea typeface="+mn-ea"/>
+                <a:cs typeface="+mn-cs"/>
+              </a:defRPr>
+            </a:lvl2pPr>
+            <a:lvl3pPr marL="1143000" indent="-228600" algn="l" defTabSz="914400" rtl="0" eaLnBrk="1" latinLnBrk="0" hangingPunct="1">
+              <a:lnSpc>
+                <a:spcPct val="90000"/>
+              </a:lnSpc>
+              <a:spcBef>
+                <a:spcPts val="500"/>
+              </a:spcBef>
+              <a:buFont typeface="Arial" panose="020B0604020202020204" pitchFamily="34" charset="0"/>
+              <a:buChar char="•"/>
+              <a:defRPr sz="2000" kern="1200">
+                <a:solidFill>
+                  <a:schemeClr val="tx1"/>
+                </a:solidFill>
+                <a:latin typeface="+mn-lt"/>
+                <a:ea typeface="+mn-ea"/>
+                <a:cs typeface="+mn-cs"/>
+              </a:defRPr>
+            </a:lvl3pPr>
+            <a:lvl4pPr marL="1600200" indent="-228600" algn="l" defTabSz="914400" rtl="0" eaLnBrk="1" latinLnBrk="0" hangingPunct="1">
+              <a:lnSpc>
+                <a:spcPct val="90000"/>
+              </a:lnSpc>
+              <a:spcBef>
+                <a:spcPts val="500"/>
+              </a:spcBef>
+              <a:buFont typeface="Arial" panose="020B0604020202020204" pitchFamily="34" charset="0"/>
+              <a:buChar char="•"/>
+              <a:defRPr sz="1800" kern="1200">
+                <a:solidFill>
+                  <a:schemeClr val="tx1"/>
+                </a:solidFill>
+                <a:latin typeface="+mn-lt"/>
+                <a:ea typeface="+mn-ea"/>
+                <a:cs typeface="+mn-cs"/>
+              </a:defRPr>
+            </a:lvl4pPr>
+            <a:lvl5pPr marL="2057400" indent="-228600" algn="l" defTabSz="914400" rtl="0" eaLnBrk="1" latinLnBrk="0" hangingPunct="1">
+              <a:lnSpc>
+                <a:spcPct val="90000"/>
+              </a:lnSpc>
+              <a:spcBef>
+                <a:spcPts val="500"/>
+              </a:spcBef>
+              <a:buFont typeface="Arial" panose="020B0604020202020204" pitchFamily="34" charset="0"/>
+              <a:buChar char="•"/>
+              <a:defRPr sz="1800" kern="1200">
+                <a:solidFill>
+                  <a:schemeClr val="tx1"/>
+                </a:solidFill>
+                <a:latin typeface="+mn-lt"/>
+                <a:ea typeface="+mn-ea"/>
+                <a:cs typeface="+mn-cs"/>
+              </a:defRPr>
+            </a:lvl5pPr>
+            <a:lvl6pPr marL="2514600" indent="-228600" algn="l" defTabSz="914400" rtl="0" eaLnBrk="1" latinLnBrk="0" hangingPunct="1">
+              <a:lnSpc>
+                <a:spcPct val="90000"/>
+              </a:lnSpc>
+              <a:spcBef>
+                <a:spcPts val="500"/>
+              </a:spcBef>
+              <a:buFont typeface="Arial" panose="020B0604020202020204" pitchFamily="34" charset="0"/>
+              <a:buChar char="•"/>
+              <a:defRPr sz="1800" kern="1200">
+                <a:solidFill>
+                  <a:schemeClr val="tx1"/>
+                </a:solidFill>
+                <a:latin typeface="+mn-lt"/>
+                <a:ea typeface="+mn-ea"/>
+                <a:cs typeface="+mn-cs"/>
+              </a:defRPr>
+            </a:lvl6pPr>
+            <a:lvl7pPr marL="2971800" indent="-228600" algn="l" defTabSz="914400" rtl="0" eaLnBrk="1" latinLnBrk="0" hangingPunct="1">
+              <a:lnSpc>
+                <a:spcPct val="90000"/>
+              </a:lnSpc>
+              <a:spcBef>
+                <a:spcPts val="500"/>
+              </a:spcBef>
+              <a:buFont typeface="Arial" panose="020B0604020202020204" pitchFamily="34" charset="0"/>
+              <a:buChar char="•"/>
+              <a:defRPr sz="1800" kern="1200">
+                <a:solidFill>
+                  <a:schemeClr val="tx1"/>
+                </a:solidFill>
+                <a:latin typeface="+mn-lt"/>
+                <a:ea typeface="+mn-ea"/>
+                <a:cs typeface="+mn-cs"/>
+              </a:defRPr>
+            </a:lvl7pPr>
+            <a:lvl8pPr marL="3429000" indent="-228600" algn="l" defTabSz="914400" rtl="0" eaLnBrk="1" latinLnBrk="0" hangingPunct="1">
+              <a:lnSpc>
+                <a:spcPct val="90000"/>
+              </a:lnSpc>
+              <a:spcBef>
+                <a:spcPts val="500"/>
+              </a:spcBef>
+              <a:buFont typeface="Arial" panose="020B0604020202020204" pitchFamily="34" charset="0"/>
+              <a:buChar char="•"/>
+              <a:defRPr sz="1800" kern="1200">
+                <a:solidFill>
+                  <a:schemeClr val="tx1"/>
+                </a:solidFill>
+                <a:latin typeface="+mn-lt"/>
+                <a:ea typeface="+mn-ea"/>
+                <a:cs typeface="+mn-cs"/>
+              </a:defRPr>
+            </a:lvl8pPr>
+            <a:lvl9pPr marL="3886200" indent="-228600" algn="l" defTabSz="914400" rtl="0" eaLnBrk="1" latinLnBrk="0" hangingPunct="1">
+              <a:lnSpc>
+                <a:spcPct val="90000"/>
+              </a:lnSpc>
+              <a:spcBef>
+                <a:spcPts val="500"/>
+              </a:spcBef>
+              <a:buFont typeface="Arial" panose="020B0604020202020204" pitchFamily="34" charset="0"/>
+              <a:buChar char="•"/>
+              <a:defRPr sz="1800" kern="1200">
+                <a:solidFill>
+                  <a:schemeClr val="tx1"/>
+                </a:solidFill>
+                <a:latin typeface="+mn-lt"/>
+                <a:ea typeface="+mn-ea"/>
+                <a:cs typeface="+mn-cs"/>
+              </a:defRPr>
+            </a:lvl9pPr>
+          </a:lstStyle>
+          <a:p>
+            <a:pPr marL="0" indent="0">
+              <a:buFont typeface="Arial" panose="020B0604020202020204" pitchFamily="34" charset="0"/>
+              <a:buNone/>
+            </a:pPr>
+            <a:endParaRPr lang="de" dirty="0"/>
+          </a:p>
+          <a:p>
+            <a:pPr marL="0" indent="0">
+              <a:buFont typeface="Arial" panose="020B0604020202020204" pitchFamily="34" charset="0"/>
+              <a:buNone/>
+            </a:pPr>
+            <a:r>
+              <a:rPr lang="de" sz="3200" b="1" dirty="0"/>
+              <a:t>Link:</a:t>
+            </a:r>
+          </a:p>
+          <a:p>
+            <a:pPr marL="0" indent="0">
+              <a:buFont typeface="Arial" panose="020B0604020202020204" pitchFamily="34" charset="0"/>
+              <a:buNone/>
+            </a:pPr>
+            <a:r>
+              <a:rPr lang="es-MX" dirty="0">
+                <a:hlinkClick r:id="rId2"/>
+              </a:rPr>
+              <a:t>https://github.com/neo4j/neo4j-spark-connector/releases</a:t>
+            </a:r>
+            <a:endParaRPr lang="es-MX" dirty="0"/>
+          </a:p>
+          <a:p>
+            <a:pPr marL="0" indent="0">
+              <a:buFont typeface="Arial" panose="020B0604020202020204" pitchFamily="34" charset="0"/>
+              <a:buNone/>
+            </a:pPr>
+            <a:endParaRPr lang="de" dirty="0"/>
+          </a:p>
+          <a:p>
+            <a:pPr marL="0" indent="0">
+              <a:buFont typeface="Arial" panose="020B0604020202020204" pitchFamily="34" charset="0"/>
+              <a:buNone/>
+            </a:pPr>
+            <a:r>
+              <a:rPr lang="de" sz="3200" b="1" dirty="0"/>
+              <a:t>Scala version:</a:t>
+            </a:r>
+            <a:endParaRPr lang="de" dirty="0"/>
+          </a:p>
+          <a:p>
+            <a:pPr lvl="1"/>
+            <a:r>
+              <a:rPr lang="de" dirty="0"/>
+              <a:t>2.13.8</a:t>
+            </a:r>
+          </a:p>
+          <a:p>
+            <a:pPr marL="457200" lvl="1" indent="0">
+              <a:buNone/>
+            </a:pPr>
+            <a:endParaRPr lang="de" dirty="0"/>
+          </a:p>
+          <a:p>
+            <a:pPr marL="0" indent="0">
+              <a:buFont typeface="Arial" panose="020B0604020202020204" pitchFamily="34" charset="0"/>
+              <a:buNone/>
+            </a:pPr>
+            <a:r>
+              <a:rPr lang="de" sz="3200" b="1" dirty="0"/>
+              <a:t>Neo4j connector version:</a:t>
+            </a:r>
+            <a:endParaRPr lang="de" dirty="0"/>
+          </a:p>
+          <a:p>
+            <a:pPr lvl="1"/>
+            <a:r>
+              <a:rPr lang="en-US" dirty="0"/>
+              <a:t>neo4j-connector-apache-spark_2.13-5.3.5_for_spark_3.jar</a:t>
+            </a:r>
+          </a:p>
+          <a:p>
+            <a:pPr lvl="1"/>
+            <a:endParaRPr lang="en-US" dirty="0"/>
+          </a:p>
+          <a:p>
+            <a:pPr marL="0" indent="0">
+              <a:buFont typeface="Arial" panose="020B0604020202020204" pitchFamily="34" charset="0"/>
+              <a:buNone/>
+            </a:pPr>
+            <a:r>
+              <a:rPr lang="de" sz="3200" b="1" dirty="0"/>
+              <a:t>Put the jar file in a shared location:</a:t>
+            </a:r>
+            <a:endParaRPr lang="de" dirty="0"/>
+          </a:p>
+          <a:p>
+            <a:pPr lvl="1"/>
+            <a:r>
+              <a:rPr lang="en-US" dirty="0"/>
+              <a:t>Home/</a:t>
+            </a:r>
+            <a:r>
+              <a:rPr lang="en-US" dirty="0" err="1"/>
+              <a:t>jovyan</a:t>
+            </a:r>
+            <a:r>
+              <a:rPr lang="en-US" dirty="0"/>
+              <a:t>/notebooks/jars</a:t>
+            </a:r>
+          </a:p>
+          <a:p>
+            <a:pPr marL="457200" lvl="1" indent="0">
+              <a:buNone/>
+            </a:pPr>
+            <a:endParaRPr lang="en-US" dirty="0"/>
+          </a:p>
+          <a:p>
+            <a:pPr lvl="1"/>
+            <a:endParaRPr lang="de" dirty="0"/>
+          </a:p>
+          <a:p>
+            <a:pPr lvl="1"/>
+            <a:endParaRPr lang="de" dirty="0"/>
+          </a:p>
+          <a:p>
+            <a:pPr lvl="1"/>
+            <a:endParaRPr lang="de" dirty="0"/>
+          </a:p>
+          <a:p>
+            <a:pPr marL="457200" lvl="1" indent="0">
+              <a:buNone/>
+            </a:pPr>
+            <a:endParaRPr lang="de" dirty="0"/>
+          </a:p>
+        </p:txBody>
+      </p:sp>
+      <p:pic>
+        <p:nvPicPr>
+          <p:cNvPr id="5" name="Imagen 4">
+            <a:extLst>
+              <a:ext uri="{FF2B5EF4-FFF2-40B4-BE49-F238E27FC236}">
+                <a16:creationId xmlns:a16="http://schemas.microsoft.com/office/drawing/2014/main" id="{956196B1-0456-B5BD-EA44-12DD74ADEE6E}"/>
+              </a:ext>
+            </a:extLst>
+          </p:cNvPr>
+          <p:cNvPicPr>
+            <a:picLocks noChangeAspect="1"/>
+          </p:cNvPicPr>
+          <p:nvPr/>
+        </p:nvPicPr>
+        <p:blipFill>
+          <a:blip r:embed="rId3"/>
+          <a:stretch>
+            <a:fillRect/>
+          </a:stretch>
+        </p:blipFill>
+        <p:spPr>
+          <a:xfrm>
+            <a:off x="6932537" y="2191297"/>
+            <a:ext cx="5102146" cy="2416806"/>
+          </a:xfrm>
+          <a:prstGeom prst="rect">
+            <a:avLst/>
+          </a:prstGeom>
+        </p:spPr>
+      </p:pic>
     </p:spTree>
     <p:extLst>
       <p:ext uri="{BB962C8B-B14F-4D97-AF65-F5344CB8AC3E}">
@@ -6061,8 +6741,252 @@
               <a:rPr lang="de" sz="4800" b="1" i="1" u="sng" dirty="0">
                 <a:latin typeface="Bahnschrift Light" panose="020B0502040204020203" pitchFamily="34" charset="0"/>
               </a:rPr>
-              <a:t>Implement jdbc Connector</a:t>
-            </a:r>
+              <a:t>Spark session</a:t>
+            </a:r>
+          </a:p>
+        </p:txBody>
+      </p:sp>
+      <p:sp>
+        <p:nvSpPr>
+          <p:cNvPr id="3" name="Textfeld 3">
+            <a:extLst>
+              <a:ext uri="{FF2B5EF4-FFF2-40B4-BE49-F238E27FC236}">
+                <a16:creationId xmlns:a16="http://schemas.microsoft.com/office/drawing/2014/main" id="{93D4CFCE-A41F-27E9-D130-7CD27F2B0C29}"/>
+              </a:ext>
+            </a:extLst>
+          </p:cNvPr>
+          <p:cNvSpPr txBox="1"/>
+          <p:nvPr/>
+        </p:nvSpPr>
+        <p:spPr>
+          <a:xfrm>
+            <a:off x="726324" y="1614815"/>
+            <a:ext cx="10669263" cy="2819426"/>
+          </a:xfrm>
+          <a:prstGeom prst="rect">
+            <a:avLst/>
+          </a:prstGeom>
+          <a:noFill/>
+          <a:ln w="28575">
+            <a:solidFill>
+              <a:schemeClr val="tx1"/>
+            </a:solidFill>
+          </a:ln>
+        </p:spPr>
+        <p:txBody>
+          <a:bodyPr wrap="square">
+            <a:spAutoFit/>
+          </a:bodyPr>
+          <a:lstStyle/>
+          <a:p>
+            <a:pPr>
+              <a:lnSpc>
+                <a:spcPct val="115000"/>
+              </a:lnSpc>
+              <a:spcAft>
+                <a:spcPts val="800"/>
+              </a:spcAft>
+            </a:pPr>
+            <a:r>
+              <a:rPr lang="en-US" i="1" kern="100" dirty="0">
+                <a:effectLst/>
+                <a:latin typeface="Aptos" panose="020B0004020202020204" pitchFamily="34" charset="0"/>
+                <a:ea typeface="Aptos" panose="020B0004020202020204" pitchFamily="34" charset="0"/>
+                <a:cs typeface="Arial" panose="020B0604020202020204" pitchFamily="34" charset="0"/>
+              </a:rPr>
+              <a:t>spark = </a:t>
+            </a:r>
+            <a:r>
+              <a:rPr lang="en-US" i="1" kern="100" dirty="0" err="1">
+                <a:effectLst/>
+                <a:latin typeface="Aptos" panose="020B0004020202020204" pitchFamily="34" charset="0"/>
+                <a:ea typeface="Aptos" panose="020B0004020202020204" pitchFamily="34" charset="0"/>
+                <a:cs typeface="Arial" panose="020B0604020202020204" pitchFamily="34" charset="0"/>
+              </a:rPr>
+              <a:t>SparkSession.builder</a:t>
+            </a:r>
+            <a:r>
+              <a:rPr lang="en-US" i="1" kern="100" dirty="0">
+                <a:effectLst/>
+                <a:latin typeface="Aptos" panose="020B0004020202020204" pitchFamily="34" charset="0"/>
+                <a:ea typeface="Aptos" panose="020B0004020202020204" pitchFamily="34" charset="0"/>
+                <a:cs typeface="Arial" panose="020B0604020202020204" pitchFamily="34" charset="0"/>
+              </a:rPr>
+              <a:t> \</a:t>
+            </a:r>
+          </a:p>
+          <a:p>
+            <a:pPr>
+              <a:lnSpc>
+                <a:spcPct val="115000"/>
+              </a:lnSpc>
+              <a:spcAft>
+                <a:spcPts val="800"/>
+              </a:spcAft>
+            </a:pPr>
+            <a:r>
+              <a:rPr lang="en-US" i="1" kern="100" dirty="0">
+                <a:effectLst/>
+                <a:latin typeface="Aptos" panose="020B0004020202020204" pitchFamily="34" charset="0"/>
+                <a:ea typeface="Aptos" panose="020B0004020202020204" pitchFamily="34" charset="0"/>
+                <a:cs typeface="Arial" panose="020B0604020202020204" pitchFamily="34" charset="0"/>
+              </a:rPr>
+              <a:t>	.</a:t>
+            </a:r>
+            <a:r>
+              <a:rPr lang="en-US" i="1" kern="100" dirty="0" err="1">
+                <a:effectLst/>
+                <a:latin typeface="Aptos" panose="020B0004020202020204" pitchFamily="34" charset="0"/>
+                <a:ea typeface="Aptos" panose="020B0004020202020204" pitchFamily="34" charset="0"/>
+                <a:cs typeface="Arial" panose="020B0604020202020204" pitchFamily="34" charset="0"/>
+              </a:rPr>
+              <a:t>appName</a:t>
+            </a:r>
+            <a:r>
+              <a:rPr lang="en-US" i="1" kern="100" dirty="0">
+                <a:effectLst/>
+                <a:latin typeface="Aptos" panose="020B0004020202020204" pitchFamily="34" charset="0"/>
+                <a:ea typeface="Aptos" panose="020B0004020202020204" pitchFamily="34" charset="0"/>
+                <a:cs typeface="Arial" panose="020B0604020202020204" pitchFamily="34" charset="0"/>
+              </a:rPr>
+              <a:t>("Spark-Nero4j-Integration") \</a:t>
+            </a:r>
+          </a:p>
+          <a:p>
+            <a:pPr>
+              <a:lnSpc>
+                <a:spcPct val="115000"/>
+              </a:lnSpc>
+              <a:spcAft>
+                <a:spcPts val="800"/>
+              </a:spcAft>
+            </a:pPr>
+            <a:r>
+              <a:rPr lang="en-US" i="1" kern="100" dirty="0">
+                <a:effectLst/>
+                <a:latin typeface="Aptos" panose="020B0004020202020204" pitchFamily="34" charset="0"/>
+                <a:ea typeface="Aptos" panose="020B0004020202020204" pitchFamily="34" charset="0"/>
+                <a:cs typeface="Arial" panose="020B0604020202020204" pitchFamily="34" charset="0"/>
+              </a:rPr>
+              <a:t>	.master("spark://8776010e8f6a:7077") \</a:t>
+            </a:r>
+          </a:p>
+          <a:p>
+            <a:pPr>
+              <a:lnSpc>
+                <a:spcPct val="115000"/>
+              </a:lnSpc>
+              <a:spcAft>
+                <a:spcPts val="800"/>
+              </a:spcAft>
+            </a:pPr>
+            <a:r>
+              <a:rPr lang="en-US" i="1" kern="100" dirty="0">
+                <a:effectLst/>
+                <a:latin typeface="Aptos" panose="020B0004020202020204" pitchFamily="34" charset="0"/>
+                <a:ea typeface="Aptos" panose="020B0004020202020204" pitchFamily="34" charset="0"/>
+                <a:cs typeface="Arial" panose="020B0604020202020204" pitchFamily="34" charset="0"/>
+              </a:rPr>
+              <a:t>	.config("</a:t>
+            </a:r>
+            <a:r>
+              <a:rPr lang="en-US" i="1" kern="100" dirty="0" err="1">
+                <a:effectLst/>
+                <a:latin typeface="Aptos" panose="020B0004020202020204" pitchFamily="34" charset="0"/>
+                <a:ea typeface="Aptos" panose="020B0004020202020204" pitchFamily="34" charset="0"/>
+                <a:cs typeface="Arial" panose="020B0604020202020204" pitchFamily="34" charset="0"/>
+              </a:rPr>
+              <a:t>spark.jars</a:t>
+            </a:r>
+            <a:r>
+              <a:rPr lang="en-US" i="1" kern="100" dirty="0">
+                <a:effectLst/>
+                <a:latin typeface="Aptos" panose="020B0004020202020204" pitchFamily="34" charset="0"/>
+                <a:ea typeface="Aptos" panose="020B0004020202020204" pitchFamily="34" charset="0"/>
+                <a:cs typeface="Arial" panose="020B0604020202020204" pitchFamily="34" charset="0"/>
+              </a:rPr>
+              <a:t>", "/home/</a:t>
+            </a:r>
+            <a:r>
+              <a:rPr lang="en-US" i="1" kern="100" dirty="0" err="1">
+                <a:effectLst/>
+                <a:latin typeface="Aptos" panose="020B0004020202020204" pitchFamily="34" charset="0"/>
+                <a:ea typeface="Aptos" panose="020B0004020202020204" pitchFamily="34" charset="0"/>
+                <a:cs typeface="Arial" panose="020B0604020202020204" pitchFamily="34" charset="0"/>
+              </a:rPr>
+              <a:t>jovyan</a:t>
+            </a:r>
+            <a:r>
+              <a:rPr lang="en-US" i="1" kern="100" dirty="0">
+                <a:effectLst/>
+                <a:latin typeface="Aptos" panose="020B0004020202020204" pitchFamily="34" charset="0"/>
+                <a:ea typeface="Aptos" panose="020B0004020202020204" pitchFamily="34" charset="0"/>
+                <a:cs typeface="Arial" panose="020B0604020202020204" pitchFamily="34" charset="0"/>
+              </a:rPr>
+              <a:t>/notebooks/jars/neo4j-connector-apache-spark_2.13-5.3.5_for_spark_3.jar") \</a:t>
+            </a:r>
+          </a:p>
+          <a:p>
+            <a:pPr>
+              <a:lnSpc>
+                <a:spcPct val="115000"/>
+              </a:lnSpc>
+              <a:spcAft>
+                <a:spcPts val="800"/>
+              </a:spcAft>
+            </a:pPr>
+            <a:r>
+              <a:rPr lang="en-US" i="1" kern="100" dirty="0">
+                <a:effectLst/>
+                <a:latin typeface="Aptos" panose="020B0004020202020204" pitchFamily="34" charset="0"/>
+                <a:ea typeface="Aptos" panose="020B0004020202020204" pitchFamily="34" charset="0"/>
+                <a:cs typeface="Arial" panose="020B0604020202020204" pitchFamily="34" charset="0"/>
+              </a:rPr>
+              <a:t>	.config("spark.ui.port","4040") \</a:t>
+            </a:r>
+          </a:p>
+          <a:p>
+            <a:pPr>
+              <a:lnSpc>
+                <a:spcPct val="115000"/>
+              </a:lnSpc>
+              <a:spcAft>
+                <a:spcPts val="800"/>
+              </a:spcAft>
+            </a:pPr>
+            <a:r>
+              <a:rPr lang="en-US" i="1" kern="100" dirty="0">
+                <a:effectLst/>
+                <a:latin typeface="Aptos" panose="020B0004020202020204" pitchFamily="34" charset="0"/>
+                <a:ea typeface="Aptos" panose="020B0004020202020204" pitchFamily="34" charset="0"/>
+                <a:cs typeface="Arial" panose="020B0604020202020204" pitchFamily="34" charset="0"/>
+              </a:rPr>
+              <a:t>	.</a:t>
+            </a:r>
+            <a:r>
+              <a:rPr lang="en-US" i="1" kern="100" dirty="0" err="1">
+                <a:effectLst/>
+                <a:latin typeface="Aptos" panose="020B0004020202020204" pitchFamily="34" charset="0"/>
+                <a:ea typeface="Aptos" panose="020B0004020202020204" pitchFamily="34" charset="0"/>
+                <a:cs typeface="Arial" panose="020B0604020202020204" pitchFamily="34" charset="0"/>
+              </a:rPr>
+              <a:t>getOrCreate</a:t>
+            </a:r>
+            <a:r>
+              <a:rPr lang="en-US" i="1" kern="100" dirty="0">
+                <a:effectLst/>
+                <a:latin typeface="Aptos" panose="020B0004020202020204" pitchFamily="34" charset="0"/>
+                <a:ea typeface="Aptos" panose="020B0004020202020204" pitchFamily="34" charset="0"/>
+                <a:cs typeface="Arial" panose="020B0604020202020204" pitchFamily="34" charset="0"/>
+              </a:rPr>
+              <a:t>()</a:t>
+            </a:r>
+            <a:endParaRPr lang="es-CO" i="1" kern="100" dirty="0">
+              <a:effectLst/>
+              <a:latin typeface="Aptos" panose="020B0004020202020204" pitchFamily="34" charset="0"/>
+              <a:ea typeface="Aptos" panose="020B0004020202020204" pitchFamily="34" charset="0"/>
+              <a:cs typeface="Arial" panose="020B0604020202020204" pitchFamily="34" charset="0"/>
+            </a:endParaRPr>
           </a:p>
         </p:txBody>
       </p:sp>
@@ -6087,7 +7011,7 @@
         <p:cNvPr id="1" name="">
           <a:extLst>
             <a:ext uri="{FF2B5EF4-FFF2-40B4-BE49-F238E27FC236}">
-              <a16:creationId xmlns:a16="http://schemas.microsoft.com/office/drawing/2014/main" id="{227372A5-0593-4602-906D-91927F6A320D}"/>
+              <a16:creationId xmlns:a16="http://schemas.microsoft.com/office/drawing/2014/main" id="{E777769F-1717-2971-5475-55347C09CABA}"/>
             </a:ext>
           </a:extLst>
         </p:cNvPr>
@@ -6107,7 +7031,7 @@
           <p:cNvPr id="56" name="Date Placeholder 4">
             <a:extLst>
               <a:ext uri="{FF2B5EF4-FFF2-40B4-BE49-F238E27FC236}">
-                <a16:creationId xmlns:a16="http://schemas.microsoft.com/office/drawing/2014/main" id="{52DEA48E-5193-0522-4EEE-4DD9CD51324B}"/>
+                <a16:creationId xmlns:a16="http://schemas.microsoft.com/office/drawing/2014/main" id="{8DC07AD0-83D9-D73A-9955-D2999A3AA6AA}"/>
               </a:ext>
             </a:extLst>
           </p:cNvPr>
@@ -6146,7 +7070,474 @@
           <p:cNvPr id="2" name="Titel 1">
             <a:extLst>
               <a:ext uri="{FF2B5EF4-FFF2-40B4-BE49-F238E27FC236}">
-                <a16:creationId xmlns:a16="http://schemas.microsoft.com/office/drawing/2014/main" id="{D56E6485-FA60-7ECC-7476-FA141AB87699}"/>
+                <a16:creationId xmlns:a16="http://schemas.microsoft.com/office/drawing/2014/main" id="{D40679BA-0550-509C-5BBC-EDF96C5249EC}"/>
+              </a:ext>
+            </a:extLst>
+          </p:cNvPr>
+          <p:cNvSpPr>
+            <a:spLocks noGrp="1"/>
+          </p:cNvSpPr>
+          <p:nvPr>
+            <p:ph type="title" idx="4294967295"/>
+          </p:nvPr>
+        </p:nvSpPr>
+        <p:spPr>
+          <a:xfrm>
+            <a:off x="684537" y="249573"/>
+            <a:ext cx="10058400" cy="682625"/>
+          </a:xfrm>
+        </p:spPr>
+        <p:txBody>
+          <a:bodyPr rtlCol="0" anchor="b">
+            <a:noAutofit/>
+          </a:bodyPr>
+          <a:lstStyle/>
+          <a:p>
+            <a:pPr lvl="0" rtl="0"/>
+            <a:r>
+              <a:rPr lang="de" sz="4800" b="1" i="1" u="sng" dirty="0">
+                <a:latin typeface="Bahnschrift Light" panose="020B0502040204020203" pitchFamily="34" charset="0"/>
+              </a:rPr>
+              <a:t>Write example</a:t>
+            </a:r>
+          </a:p>
+        </p:txBody>
+      </p:sp>
+      <p:sp>
+        <p:nvSpPr>
+          <p:cNvPr id="3" name="Textfeld 3">
+            <a:extLst>
+              <a:ext uri="{FF2B5EF4-FFF2-40B4-BE49-F238E27FC236}">
+                <a16:creationId xmlns:a16="http://schemas.microsoft.com/office/drawing/2014/main" id="{F0875CB5-8C46-6253-79F1-83C1A12B0E47}"/>
+              </a:ext>
+            </a:extLst>
+          </p:cNvPr>
+          <p:cNvSpPr txBox="1"/>
+          <p:nvPr/>
+        </p:nvSpPr>
+        <p:spPr>
+          <a:xfrm>
+            <a:off x="711576" y="932198"/>
+            <a:ext cx="10669263" cy="5304016"/>
+          </a:xfrm>
+          <a:prstGeom prst="rect">
+            <a:avLst/>
+          </a:prstGeom>
+          <a:noFill/>
+          <a:ln w="28575">
+            <a:solidFill>
+              <a:schemeClr val="tx1"/>
+            </a:solidFill>
+          </a:ln>
+        </p:spPr>
+        <p:txBody>
+          <a:bodyPr wrap="square">
+            <a:spAutoFit/>
+          </a:bodyPr>
+          <a:lstStyle/>
+          <a:p>
+            <a:pPr>
+              <a:spcAft>
+                <a:spcPts val="800"/>
+              </a:spcAft>
+            </a:pPr>
+            <a:r>
+              <a:rPr lang="en-US" i="1" kern="100" dirty="0">
+                <a:effectLst/>
+                <a:latin typeface="Aptos" panose="020B0004020202020204" pitchFamily="34" charset="0"/>
+                <a:ea typeface="Aptos" panose="020B0004020202020204" pitchFamily="34" charset="0"/>
+                <a:cs typeface="Arial" panose="020B0604020202020204" pitchFamily="34" charset="0"/>
+              </a:rPr>
+              <a:t>neo4j_url = "bolt://neo4j-iteso:7687"</a:t>
+            </a:r>
+          </a:p>
+          <a:p>
+            <a:pPr>
+              <a:spcAft>
+                <a:spcPts val="800"/>
+              </a:spcAft>
+            </a:pPr>
+            <a:r>
+              <a:rPr lang="en-US" i="1" kern="100" dirty="0">
+                <a:effectLst/>
+                <a:latin typeface="Aptos" panose="020B0004020202020204" pitchFamily="34" charset="0"/>
+                <a:ea typeface="Aptos" panose="020B0004020202020204" pitchFamily="34" charset="0"/>
+                <a:cs typeface="Arial" panose="020B0604020202020204" pitchFamily="34" charset="0"/>
+              </a:rPr>
+              <a:t>neo4j_user = "neo4j"</a:t>
+            </a:r>
+          </a:p>
+          <a:p>
+            <a:pPr>
+              <a:spcAft>
+                <a:spcPts val="800"/>
+              </a:spcAft>
+            </a:pPr>
+            <a:r>
+              <a:rPr lang="en-US" i="1" kern="100" dirty="0">
+                <a:effectLst/>
+                <a:latin typeface="Aptos" panose="020B0004020202020204" pitchFamily="34" charset="0"/>
+                <a:ea typeface="Aptos" panose="020B0004020202020204" pitchFamily="34" charset="0"/>
+                <a:cs typeface="Arial" panose="020B0604020202020204" pitchFamily="34" charset="0"/>
+              </a:rPr>
+              <a:t>neo4j_password = "123456789“</a:t>
+            </a:r>
+          </a:p>
+          <a:p>
+            <a:pPr>
+              <a:spcAft>
+                <a:spcPts val="800"/>
+              </a:spcAft>
+            </a:pPr>
+            <a:endParaRPr lang="en-US" i="1" kern="100" dirty="0">
+              <a:effectLst/>
+              <a:latin typeface="Aptos" panose="020B0004020202020204" pitchFamily="34" charset="0"/>
+              <a:ea typeface="Aptos" panose="020B0004020202020204" pitchFamily="34" charset="0"/>
+              <a:cs typeface="Arial" panose="020B0604020202020204" pitchFamily="34" charset="0"/>
+            </a:endParaRPr>
+          </a:p>
+          <a:p>
+            <a:pPr>
+              <a:spcAft>
+                <a:spcPts val="800"/>
+              </a:spcAft>
+            </a:pPr>
+            <a:r>
+              <a:rPr lang="en-US" i="1" kern="100" dirty="0" err="1">
+                <a:effectLst/>
+                <a:latin typeface="Aptos" panose="020B0004020202020204" pitchFamily="34" charset="0"/>
+                <a:ea typeface="Aptos" panose="020B0004020202020204" pitchFamily="34" charset="0"/>
+                <a:cs typeface="Arial" panose="020B0604020202020204" pitchFamily="34" charset="0"/>
+              </a:rPr>
+              <a:t>ecommerce_df.write</a:t>
+            </a:r>
+            <a:r>
+              <a:rPr lang="en-US" i="1" kern="100" dirty="0">
+                <a:effectLst/>
+                <a:latin typeface="Aptos" panose="020B0004020202020204" pitchFamily="34" charset="0"/>
+                <a:ea typeface="Aptos" panose="020B0004020202020204" pitchFamily="34" charset="0"/>
+                <a:cs typeface="Arial" panose="020B0604020202020204" pitchFamily="34" charset="0"/>
+              </a:rPr>
+              <a:t> \</a:t>
+            </a:r>
+          </a:p>
+          <a:p>
+            <a:pPr>
+              <a:spcAft>
+                <a:spcPts val="800"/>
+              </a:spcAft>
+            </a:pPr>
+            <a:r>
+              <a:rPr lang="en-US" i="1" kern="100" dirty="0">
+                <a:effectLst/>
+                <a:latin typeface="Aptos" panose="020B0004020202020204" pitchFamily="34" charset="0"/>
+                <a:ea typeface="Aptos" panose="020B0004020202020204" pitchFamily="34" charset="0"/>
+                <a:cs typeface="Arial" panose="020B0604020202020204" pitchFamily="34" charset="0"/>
+              </a:rPr>
+              <a:t>    .format("org.neo4j.spark.DataSource") \</a:t>
+            </a:r>
+          </a:p>
+          <a:p>
+            <a:pPr>
+              <a:spcAft>
+                <a:spcPts val="800"/>
+              </a:spcAft>
+            </a:pPr>
+            <a:r>
+              <a:rPr lang="en-US" i="1" kern="100" dirty="0">
+                <a:effectLst/>
+                <a:latin typeface="Aptos" panose="020B0004020202020204" pitchFamily="34" charset="0"/>
+                <a:ea typeface="Aptos" panose="020B0004020202020204" pitchFamily="34" charset="0"/>
+                <a:cs typeface="Arial" panose="020B0604020202020204" pitchFamily="34" charset="0"/>
+              </a:rPr>
+              <a:t>    .mode("Overwrite") \</a:t>
+            </a:r>
+          </a:p>
+          <a:p>
+            <a:pPr>
+              <a:spcAft>
+                <a:spcPts val="800"/>
+              </a:spcAft>
+            </a:pPr>
+            <a:r>
+              <a:rPr lang="en-US" i="1" kern="100" dirty="0">
+                <a:effectLst/>
+                <a:latin typeface="Aptos" panose="020B0004020202020204" pitchFamily="34" charset="0"/>
+                <a:ea typeface="Aptos" panose="020B0004020202020204" pitchFamily="34" charset="0"/>
+                <a:cs typeface="Arial" panose="020B0604020202020204" pitchFamily="34" charset="0"/>
+              </a:rPr>
+              <a:t>    .option("</a:t>
+            </a:r>
+            <a:r>
+              <a:rPr lang="en-US" i="1" kern="100" dirty="0" err="1">
+                <a:effectLst/>
+                <a:latin typeface="Aptos" panose="020B0004020202020204" pitchFamily="34" charset="0"/>
+                <a:ea typeface="Aptos" panose="020B0004020202020204" pitchFamily="34" charset="0"/>
+                <a:cs typeface="Arial" panose="020B0604020202020204" pitchFamily="34" charset="0"/>
+              </a:rPr>
+              <a:t>url</a:t>
+            </a:r>
+            <a:r>
+              <a:rPr lang="en-US" i="1" kern="100" dirty="0">
+                <a:effectLst/>
+                <a:latin typeface="Aptos" panose="020B0004020202020204" pitchFamily="34" charset="0"/>
+                <a:ea typeface="Aptos" panose="020B0004020202020204" pitchFamily="34" charset="0"/>
+                <a:cs typeface="Arial" panose="020B0604020202020204" pitchFamily="34" charset="0"/>
+              </a:rPr>
+              <a:t>", neo4j_url) \</a:t>
+            </a:r>
+          </a:p>
+          <a:p>
+            <a:pPr>
+              <a:spcAft>
+                <a:spcPts val="800"/>
+              </a:spcAft>
+            </a:pPr>
+            <a:r>
+              <a:rPr lang="en-US" i="1" kern="100" dirty="0">
+                <a:effectLst/>
+                <a:latin typeface="Aptos" panose="020B0004020202020204" pitchFamily="34" charset="0"/>
+                <a:ea typeface="Aptos" panose="020B0004020202020204" pitchFamily="34" charset="0"/>
+                <a:cs typeface="Arial" panose="020B0604020202020204" pitchFamily="34" charset="0"/>
+              </a:rPr>
+              <a:t>    .option("</a:t>
+            </a:r>
+            <a:r>
+              <a:rPr lang="en-US" i="1" kern="100" dirty="0" err="1">
+                <a:effectLst/>
+                <a:latin typeface="Aptos" panose="020B0004020202020204" pitchFamily="34" charset="0"/>
+                <a:ea typeface="Aptos" panose="020B0004020202020204" pitchFamily="34" charset="0"/>
+                <a:cs typeface="Arial" panose="020B0604020202020204" pitchFamily="34" charset="0"/>
+              </a:rPr>
+              <a:t>authentication.type</a:t>
+            </a:r>
+            <a:r>
+              <a:rPr lang="en-US" i="1" kern="100" dirty="0">
+                <a:effectLst/>
+                <a:latin typeface="Aptos" panose="020B0004020202020204" pitchFamily="34" charset="0"/>
+                <a:ea typeface="Aptos" panose="020B0004020202020204" pitchFamily="34" charset="0"/>
+                <a:cs typeface="Arial" panose="020B0604020202020204" pitchFamily="34" charset="0"/>
+              </a:rPr>
+              <a:t>", "basic") \</a:t>
+            </a:r>
+          </a:p>
+          <a:p>
+            <a:pPr>
+              <a:spcAft>
+                <a:spcPts val="800"/>
+              </a:spcAft>
+            </a:pPr>
+            <a:r>
+              <a:rPr lang="en-US" i="1" kern="100" dirty="0">
+                <a:effectLst/>
+                <a:latin typeface="Aptos" panose="020B0004020202020204" pitchFamily="34" charset="0"/>
+                <a:ea typeface="Aptos" panose="020B0004020202020204" pitchFamily="34" charset="0"/>
+                <a:cs typeface="Arial" panose="020B0604020202020204" pitchFamily="34" charset="0"/>
+              </a:rPr>
+              <a:t>    .option("</a:t>
+            </a:r>
+            <a:r>
+              <a:rPr lang="en-US" i="1" kern="100" dirty="0" err="1">
+                <a:effectLst/>
+                <a:latin typeface="Aptos" panose="020B0004020202020204" pitchFamily="34" charset="0"/>
+                <a:ea typeface="Aptos" panose="020B0004020202020204" pitchFamily="34" charset="0"/>
+                <a:cs typeface="Arial" panose="020B0604020202020204" pitchFamily="34" charset="0"/>
+              </a:rPr>
+              <a:t>authentication.basic.username</a:t>
+            </a:r>
+            <a:r>
+              <a:rPr lang="en-US" i="1" kern="100" dirty="0">
+                <a:effectLst/>
+                <a:latin typeface="Aptos" panose="020B0004020202020204" pitchFamily="34" charset="0"/>
+                <a:ea typeface="Aptos" panose="020B0004020202020204" pitchFamily="34" charset="0"/>
+                <a:cs typeface="Arial" panose="020B0604020202020204" pitchFamily="34" charset="0"/>
+              </a:rPr>
+              <a:t>", neo4j_user) \</a:t>
+            </a:r>
+          </a:p>
+          <a:p>
+            <a:pPr>
+              <a:spcAft>
+                <a:spcPts val="800"/>
+              </a:spcAft>
+            </a:pPr>
+            <a:r>
+              <a:rPr lang="en-US" i="1" kern="100" dirty="0">
+                <a:effectLst/>
+                <a:latin typeface="Aptos" panose="020B0004020202020204" pitchFamily="34" charset="0"/>
+                <a:ea typeface="Aptos" panose="020B0004020202020204" pitchFamily="34" charset="0"/>
+                <a:cs typeface="Arial" panose="020B0604020202020204" pitchFamily="34" charset="0"/>
+              </a:rPr>
+              <a:t>    .option("</a:t>
+            </a:r>
+            <a:r>
+              <a:rPr lang="en-US" i="1" kern="100" dirty="0" err="1">
+                <a:effectLst/>
+                <a:latin typeface="Aptos" panose="020B0004020202020204" pitchFamily="34" charset="0"/>
+                <a:ea typeface="Aptos" panose="020B0004020202020204" pitchFamily="34" charset="0"/>
+                <a:cs typeface="Arial" panose="020B0604020202020204" pitchFamily="34" charset="0"/>
+              </a:rPr>
+              <a:t>authentication.basic.password</a:t>
+            </a:r>
+            <a:r>
+              <a:rPr lang="en-US" i="1" kern="100" dirty="0">
+                <a:effectLst/>
+                <a:latin typeface="Aptos" panose="020B0004020202020204" pitchFamily="34" charset="0"/>
+                <a:ea typeface="Aptos" panose="020B0004020202020204" pitchFamily="34" charset="0"/>
+                <a:cs typeface="Arial" panose="020B0604020202020204" pitchFamily="34" charset="0"/>
+              </a:rPr>
+              <a:t>", neo4j_password) \</a:t>
+            </a:r>
+          </a:p>
+          <a:p>
+            <a:pPr>
+              <a:spcAft>
+                <a:spcPts val="800"/>
+              </a:spcAft>
+            </a:pPr>
+            <a:r>
+              <a:rPr lang="en-US" i="1" kern="100" dirty="0">
+                <a:effectLst/>
+                <a:latin typeface="Aptos" panose="020B0004020202020204" pitchFamily="34" charset="0"/>
+                <a:ea typeface="Aptos" panose="020B0004020202020204" pitchFamily="34" charset="0"/>
+                <a:cs typeface="Arial" panose="020B0604020202020204" pitchFamily="34" charset="0"/>
+              </a:rPr>
+              <a:t>    .option("labels", ":Product") \</a:t>
+            </a:r>
+          </a:p>
+          <a:p>
+            <a:pPr>
+              <a:spcAft>
+                <a:spcPts val="800"/>
+              </a:spcAft>
+            </a:pPr>
+            <a:r>
+              <a:rPr lang="en-US" i="1" kern="100" dirty="0">
+                <a:effectLst/>
+                <a:latin typeface="Aptos" panose="020B0004020202020204" pitchFamily="34" charset="0"/>
+                <a:ea typeface="Aptos" panose="020B0004020202020204" pitchFamily="34" charset="0"/>
+                <a:cs typeface="Arial" panose="020B0604020202020204" pitchFamily="34" charset="0"/>
+              </a:rPr>
+              <a:t>    .option("</a:t>
+            </a:r>
+            <a:r>
+              <a:rPr lang="en-US" i="1" kern="100" dirty="0" err="1">
+                <a:effectLst/>
+                <a:latin typeface="Aptos" panose="020B0004020202020204" pitchFamily="34" charset="0"/>
+                <a:ea typeface="Aptos" panose="020B0004020202020204" pitchFamily="34" charset="0"/>
+                <a:cs typeface="Arial" panose="020B0604020202020204" pitchFamily="34" charset="0"/>
+              </a:rPr>
+              <a:t>node.keys</a:t>
+            </a:r>
+            <a:r>
+              <a:rPr lang="en-US" i="1" kern="100" dirty="0">
+                <a:effectLst/>
+                <a:latin typeface="Aptos" panose="020B0004020202020204" pitchFamily="34" charset="0"/>
+                <a:ea typeface="Aptos" panose="020B0004020202020204" pitchFamily="34" charset="0"/>
+                <a:cs typeface="Arial" panose="020B0604020202020204" pitchFamily="34" charset="0"/>
+              </a:rPr>
+              <a:t>", "product") \</a:t>
+            </a:r>
+          </a:p>
+          <a:p>
+            <a:pPr>
+              <a:spcAft>
+                <a:spcPts val="800"/>
+              </a:spcAft>
+            </a:pPr>
+            <a:r>
+              <a:rPr lang="en-US" i="1" kern="100" dirty="0">
+                <a:effectLst/>
+                <a:latin typeface="Aptos" panose="020B0004020202020204" pitchFamily="34" charset="0"/>
+                <a:ea typeface="Aptos" panose="020B0004020202020204" pitchFamily="34" charset="0"/>
+                <a:cs typeface="Arial" panose="020B0604020202020204" pitchFamily="34" charset="0"/>
+              </a:rPr>
+              <a:t>    .save()</a:t>
+            </a:r>
+          </a:p>
+        </p:txBody>
+      </p:sp>
+    </p:spTree>
+    <p:extLst>
+      <p:ext uri="{BB962C8B-B14F-4D97-AF65-F5344CB8AC3E}">
+        <p14:creationId xmlns:p14="http://schemas.microsoft.com/office/powerpoint/2010/main" val="139930962"/>
+      </p:ext>
+    </p:extLst>
+  </p:cSld>
+  <p:clrMapOvr>
+    <a:masterClrMapping/>
+  </p:clrMapOvr>
+</p:sld>
+</file>
+
+<file path=ppt/slides/slide8.xml><?xml version="1.0" encoding="utf-8"?>
+<p:sld xmlns:a="http://schemas.openxmlformats.org/drawingml/2006/main" xmlns:r="http://schemas.openxmlformats.org/officeDocument/2006/relationships" xmlns:p="http://schemas.openxmlformats.org/presentationml/2006/main">
+  <p:cSld>
+    <p:spTree>
+      <p:nvGrpSpPr>
+        <p:cNvPr id="1" name="">
+          <a:extLst>
+            <a:ext uri="{FF2B5EF4-FFF2-40B4-BE49-F238E27FC236}">
+              <a16:creationId xmlns:a16="http://schemas.microsoft.com/office/drawing/2014/main" id="{C1044061-8E8C-566B-AA9F-1141CFA3DE14}"/>
+            </a:ext>
+          </a:extLst>
+        </p:cNvPr>
+        <p:cNvGrpSpPr/>
+        <p:nvPr/>
+      </p:nvGrpSpPr>
+      <p:grpSpPr>
+        <a:xfrm>
+          <a:off x="0" y="0"/>
+          <a:ext cx="0" cy="0"/>
+          <a:chOff x="0" y="0"/>
+          <a:chExt cx="0" cy="0"/>
+        </a:xfrm>
+      </p:grpSpPr>
+      <p:sp>
+        <p:nvSpPr>
+          <p:cNvPr id="56" name="Date Placeholder 4">
+            <a:extLst>
+              <a:ext uri="{FF2B5EF4-FFF2-40B4-BE49-F238E27FC236}">
+                <a16:creationId xmlns:a16="http://schemas.microsoft.com/office/drawing/2014/main" id="{835BF077-9992-DF07-83E5-E08D7A31E1FB}"/>
+              </a:ext>
+            </a:extLst>
+          </p:cNvPr>
+          <p:cNvSpPr>
+            <a:spLocks noGrp="1"/>
+          </p:cNvSpPr>
+          <p:nvPr>
+            <p:ph type="dt" sz="half" idx="10"/>
+          </p:nvPr>
+        </p:nvSpPr>
+        <p:spPr/>
+        <p:txBody>
+          <a:bodyPr/>
+          <a:lstStyle/>
+          <a:p>
+            <a:pPr rtl="0">
+              <a:spcAft>
+                <a:spcPts val="600"/>
+              </a:spcAft>
+            </a:pPr>
+            <a:fld id="{4CD334EC-5459-4A98-AF88-01FD6D7BAF68}" type="datetime1">
+              <a:rPr lang="de-DE" smtClean="0"/>
+              <a:pPr rtl="0">
+                <a:spcAft>
+                  <a:spcPts val="600"/>
+                </a:spcAft>
+              </a:pPr>
+              <a:t>26.03.2025</a:t>
+            </a:fld>
+            <a:endParaRPr lang="en-US"/>
+          </a:p>
+        </p:txBody>
+      </p:sp>
+      <p:sp>
+        <p:nvSpPr>
+          <p:cNvPr id="2" name="Titel 1">
+            <a:extLst>
+              <a:ext uri="{FF2B5EF4-FFF2-40B4-BE49-F238E27FC236}">
+                <a16:creationId xmlns:a16="http://schemas.microsoft.com/office/drawing/2014/main" id="{E79F7FD0-E086-32CE-CCA8-5D7A21BC56E7}"/>
               </a:ext>
             </a:extLst>
           </p:cNvPr>
@@ -6174,15 +7565,727 @@
               <a:rPr lang="de" sz="4800" b="1" i="1" u="sng" dirty="0">
                 <a:latin typeface="Bahnschrift Light" panose="020B0502040204020203" pitchFamily="34" charset="0"/>
               </a:rPr>
-              <a:t>Problems we faced</a:t>
-            </a:r>
-          </a:p>
-        </p:txBody>
-      </p:sp>
+              <a:t>See label in Docker</a:t>
+            </a:r>
+          </a:p>
+        </p:txBody>
+      </p:sp>
+      <p:sp>
+        <p:nvSpPr>
+          <p:cNvPr id="3" name="Untertitel 2">
+            <a:extLst>
+              <a:ext uri="{FF2B5EF4-FFF2-40B4-BE49-F238E27FC236}">
+                <a16:creationId xmlns:a16="http://schemas.microsoft.com/office/drawing/2014/main" id="{F5D776F1-D858-10F6-3EB2-D2CA60049595}"/>
+              </a:ext>
+            </a:extLst>
+          </p:cNvPr>
+          <p:cNvSpPr txBox="1">
+            <a:spLocks/>
+          </p:cNvSpPr>
+          <p:nvPr/>
+        </p:nvSpPr>
+        <p:spPr>
+          <a:xfrm>
+            <a:off x="612139" y="1470315"/>
+            <a:ext cx="5955809" cy="3858770"/>
+          </a:xfrm>
+          <a:prstGeom prst="rect">
+            <a:avLst/>
+          </a:prstGeom>
+        </p:spPr>
+        <p:txBody>
+          <a:bodyPr vert="horz" lIns="91440" tIns="45720" rIns="91440" bIns="45720" rtlCol="0">
+            <a:normAutofit fontScale="85000" lnSpcReduction="20000"/>
+          </a:bodyPr>
+          <a:lstStyle>
+            <a:lvl1pPr marL="228600" indent="-228600" algn="l" defTabSz="914400" rtl="0" eaLnBrk="1" latinLnBrk="0" hangingPunct="1">
+              <a:lnSpc>
+                <a:spcPct val="90000"/>
+              </a:lnSpc>
+              <a:spcBef>
+                <a:spcPts val="1000"/>
+              </a:spcBef>
+              <a:buFont typeface="Arial" panose="020B0604020202020204" pitchFamily="34" charset="0"/>
+              <a:buChar char="•"/>
+              <a:defRPr sz="2800" kern="1200">
+                <a:solidFill>
+                  <a:schemeClr val="tx1"/>
+                </a:solidFill>
+                <a:latin typeface="+mn-lt"/>
+                <a:ea typeface="+mn-ea"/>
+                <a:cs typeface="+mn-cs"/>
+              </a:defRPr>
+            </a:lvl1pPr>
+            <a:lvl2pPr marL="685800" indent="-228600" algn="l" defTabSz="914400" rtl="0" eaLnBrk="1" latinLnBrk="0" hangingPunct="1">
+              <a:lnSpc>
+                <a:spcPct val="90000"/>
+              </a:lnSpc>
+              <a:spcBef>
+                <a:spcPts val="500"/>
+              </a:spcBef>
+              <a:buFont typeface="Arial" panose="020B0604020202020204" pitchFamily="34" charset="0"/>
+              <a:buChar char="•"/>
+              <a:defRPr sz="2400" kern="1200">
+                <a:solidFill>
+                  <a:schemeClr val="tx1"/>
+                </a:solidFill>
+                <a:latin typeface="+mn-lt"/>
+                <a:ea typeface="+mn-ea"/>
+                <a:cs typeface="+mn-cs"/>
+              </a:defRPr>
+            </a:lvl2pPr>
+            <a:lvl3pPr marL="1143000" indent="-228600" algn="l" defTabSz="914400" rtl="0" eaLnBrk="1" latinLnBrk="0" hangingPunct="1">
+              <a:lnSpc>
+                <a:spcPct val="90000"/>
+              </a:lnSpc>
+              <a:spcBef>
+                <a:spcPts val="500"/>
+              </a:spcBef>
+              <a:buFont typeface="Arial" panose="020B0604020202020204" pitchFamily="34" charset="0"/>
+              <a:buChar char="•"/>
+              <a:defRPr sz="2000" kern="1200">
+                <a:solidFill>
+                  <a:schemeClr val="tx1"/>
+                </a:solidFill>
+                <a:latin typeface="+mn-lt"/>
+                <a:ea typeface="+mn-ea"/>
+                <a:cs typeface="+mn-cs"/>
+              </a:defRPr>
+            </a:lvl3pPr>
+            <a:lvl4pPr marL="1600200" indent="-228600" algn="l" defTabSz="914400" rtl="0" eaLnBrk="1" latinLnBrk="0" hangingPunct="1">
+              <a:lnSpc>
+                <a:spcPct val="90000"/>
+              </a:lnSpc>
+              <a:spcBef>
+                <a:spcPts val="500"/>
+              </a:spcBef>
+              <a:buFont typeface="Arial" panose="020B0604020202020204" pitchFamily="34" charset="0"/>
+              <a:buChar char="•"/>
+              <a:defRPr sz="1800" kern="1200">
+                <a:solidFill>
+                  <a:schemeClr val="tx1"/>
+                </a:solidFill>
+                <a:latin typeface="+mn-lt"/>
+                <a:ea typeface="+mn-ea"/>
+                <a:cs typeface="+mn-cs"/>
+              </a:defRPr>
+            </a:lvl4pPr>
+            <a:lvl5pPr marL="2057400" indent="-228600" algn="l" defTabSz="914400" rtl="0" eaLnBrk="1" latinLnBrk="0" hangingPunct="1">
+              <a:lnSpc>
+                <a:spcPct val="90000"/>
+              </a:lnSpc>
+              <a:spcBef>
+                <a:spcPts val="500"/>
+              </a:spcBef>
+              <a:buFont typeface="Arial" panose="020B0604020202020204" pitchFamily="34" charset="0"/>
+              <a:buChar char="•"/>
+              <a:defRPr sz="1800" kern="1200">
+                <a:solidFill>
+                  <a:schemeClr val="tx1"/>
+                </a:solidFill>
+                <a:latin typeface="+mn-lt"/>
+                <a:ea typeface="+mn-ea"/>
+                <a:cs typeface="+mn-cs"/>
+              </a:defRPr>
+            </a:lvl5pPr>
+            <a:lvl6pPr marL="2514600" indent="-228600" algn="l" defTabSz="914400" rtl="0" eaLnBrk="1" latinLnBrk="0" hangingPunct="1">
+              <a:lnSpc>
+                <a:spcPct val="90000"/>
+              </a:lnSpc>
+              <a:spcBef>
+                <a:spcPts val="500"/>
+              </a:spcBef>
+              <a:buFont typeface="Arial" panose="020B0604020202020204" pitchFamily="34" charset="0"/>
+              <a:buChar char="•"/>
+              <a:defRPr sz="1800" kern="1200">
+                <a:solidFill>
+                  <a:schemeClr val="tx1"/>
+                </a:solidFill>
+                <a:latin typeface="+mn-lt"/>
+                <a:ea typeface="+mn-ea"/>
+                <a:cs typeface="+mn-cs"/>
+              </a:defRPr>
+            </a:lvl6pPr>
+            <a:lvl7pPr marL="2971800" indent="-228600" algn="l" defTabSz="914400" rtl="0" eaLnBrk="1" latinLnBrk="0" hangingPunct="1">
+              <a:lnSpc>
+                <a:spcPct val="90000"/>
+              </a:lnSpc>
+              <a:spcBef>
+                <a:spcPts val="500"/>
+              </a:spcBef>
+              <a:buFont typeface="Arial" panose="020B0604020202020204" pitchFamily="34" charset="0"/>
+              <a:buChar char="•"/>
+              <a:defRPr sz="1800" kern="1200">
+                <a:solidFill>
+                  <a:schemeClr val="tx1"/>
+                </a:solidFill>
+                <a:latin typeface="+mn-lt"/>
+                <a:ea typeface="+mn-ea"/>
+                <a:cs typeface="+mn-cs"/>
+              </a:defRPr>
+            </a:lvl7pPr>
+            <a:lvl8pPr marL="3429000" indent="-228600" algn="l" defTabSz="914400" rtl="0" eaLnBrk="1" latinLnBrk="0" hangingPunct="1">
+              <a:lnSpc>
+                <a:spcPct val="90000"/>
+              </a:lnSpc>
+              <a:spcBef>
+                <a:spcPts val="500"/>
+              </a:spcBef>
+              <a:buFont typeface="Arial" panose="020B0604020202020204" pitchFamily="34" charset="0"/>
+              <a:buChar char="•"/>
+              <a:defRPr sz="1800" kern="1200">
+                <a:solidFill>
+                  <a:schemeClr val="tx1"/>
+                </a:solidFill>
+                <a:latin typeface="+mn-lt"/>
+                <a:ea typeface="+mn-ea"/>
+                <a:cs typeface="+mn-cs"/>
+              </a:defRPr>
+            </a:lvl8pPr>
+            <a:lvl9pPr marL="3886200" indent="-228600" algn="l" defTabSz="914400" rtl="0" eaLnBrk="1" latinLnBrk="0" hangingPunct="1">
+              <a:lnSpc>
+                <a:spcPct val="90000"/>
+              </a:lnSpc>
+              <a:spcBef>
+                <a:spcPts val="500"/>
+              </a:spcBef>
+              <a:buFont typeface="Arial" panose="020B0604020202020204" pitchFamily="34" charset="0"/>
+              <a:buChar char="•"/>
+              <a:defRPr sz="1800" kern="1200">
+                <a:solidFill>
+                  <a:schemeClr val="tx1"/>
+                </a:solidFill>
+                <a:latin typeface="+mn-lt"/>
+                <a:ea typeface="+mn-ea"/>
+                <a:cs typeface="+mn-cs"/>
+              </a:defRPr>
+            </a:lvl9pPr>
+          </a:lstStyle>
+          <a:p>
+            <a:pPr marL="0" indent="0">
+              <a:buFont typeface="Arial" panose="020B0604020202020204" pitchFamily="34" charset="0"/>
+              <a:buNone/>
+            </a:pPr>
+            <a:endParaRPr lang="de" dirty="0"/>
+          </a:p>
+          <a:p>
+            <a:pPr marL="0" indent="0">
+              <a:buFont typeface="Arial" panose="020B0604020202020204" pitchFamily="34" charset="0"/>
+              <a:buNone/>
+            </a:pPr>
+            <a:r>
+              <a:rPr lang="de" sz="3200" b="1" dirty="0"/>
+              <a:t>Route:</a:t>
+            </a:r>
+          </a:p>
+          <a:p>
+            <a:pPr marL="0" indent="0">
+              <a:buFont typeface="Arial" panose="020B0604020202020204" pitchFamily="34" charset="0"/>
+              <a:buNone/>
+            </a:pPr>
+            <a:r>
+              <a:rPr lang="es-MX" dirty="0"/>
+              <a:t>- Docker desktop –&gt; </a:t>
+            </a:r>
+            <a:r>
+              <a:rPr lang="es-MX" dirty="0" err="1"/>
+              <a:t>Containers</a:t>
+            </a:r>
+            <a:r>
+              <a:rPr lang="es-MX" dirty="0"/>
+              <a:t> –&gt; neo4j_iteso -&gt; EXEC </a:t>
+            </a:r>
+          </a:p>
+          <a:p>
+            <a:pPr marL="0" indent="0">
+              <a:buFont typeface="Arial" panose="020B0604020202020204" pitchFamily="34" charset="0"/>
+              <a:buNone/>
+            </a:pPr>
+            <a:endParaRPr lang="es-MX" dirty="0"/>
+          </a:p>
+          <a:p>
+            <a:pPr marL="0" indent="0">
+              <a:buFont typeface="Arial" panose="020B0604020202020204" pitchFamily="34" charset="0"/>
+              <a:buNone/>
+            </a:pPr>
+            <a:r>
+              <a:rPr lang="de" sz="3200" b="1" dirty="0"/>
+              <a:t>Run neo4j shell:</a:t>
+            </a:r>
+          </a:p>
+          <a:p>
+            <a:pPr marL="0" indent="0">
+              <a:buFont typeface="Arial" panose="020B0604020202020204" pitchFamily="34" charset="0"/>
+              <a:buNone/>
+            </a:pPr>
+            <a:r>
+              <a:rPr lang="de" sz="3200" b="1" dirty="0"/>
+              <a:t>- </a:t>
+            </a:r>
+            <a:r>
+              <a:rPr lang="en-US" dirty="0"/>
+              <a:t>cypher-shell -u neo4j -p 123456789</a:t>
+            </a:r>
+            <a:endParaRPr lang="de" dirty="0"/>
+          </a:p>
+          <a:p>
+            <a:pPr marL="457200" lvl="1" indent="0">
+              <a:buNone/>
+            </a:pPr>
+            <a:endParaRPr lang="de" dirty="0"/>
+          </a:p>
+          <a:p>
+            <a:pPr marL="0" indent="0">
+              <a:buFont typeface="Arial" panose="020B0604020202020204" pitchFamily="34" charset="0"/>
+              <a:buNone/>
+            </a:pPr>
+            <a:r>
+              <a:rPr lang="de" sz="3200" b="1" dirty="0"/>
+              <a:t>Display all labels:</a:t>
+            </a:r>
+          </a:p>
+          <a:p>
+            <a:pPr marL="0" indent="0">
+              <a:buFont typeface="Arial" panose="020B0604020202020204" pitchFamily="34" charset="0"/>
+              <a:buNone/>
+            </a:pPr>
+            <a:r>
+              <a:rPr lang="de" sz="3200" b="1" dirty="0"/>
+              <a:t>- </a:t>
+            </a:r>
+            <a:r>
+              <a:rPr lang="en-US" dirty="0"/>
+              <a:t>MATCH (n) RETURN DISTINCT labels(n);</a:t>
+            </a:r>
+          </a:p>
+          <a:p>
+            <a:pPr lvl="1"/>
+            <a:endParaRPr lang="de" dirty="0"/>
+          </a:p>
+          <a:p>
+            <a:pPr lvl="1"/>
+            <a:endParaRPr lang="de" dirty="0"/>
+          </a:p>
+          <a:p>
+            <a:pPr lvl="1"/>
+            <a:endParaRPr lang="de" dirty="0"/>
+          </a:p>
+          <a:p>
+            <a:pPr marL="457200" lvl="1" indent="0">
+              <a:buNone/>
+            </a:pPr>
+            <a:endParaRPr lang="de" dirty="0"/>
+          </a:p>
+        </p:txBody>
+      </p:sp>
+      <p:pic>
+        <p:nvPicPr>
+          <p:cNvPr id="6" name="Imagen 5">
+            <a:extLst>
+              <a:ext uri="{FF2B5EF4-FFF2-40B4-BE49-F238E27FC236}">
+                <a16:creationId xmlns:a16="http://schemas.microsoft.com/office/drawing/2014/main" id="{390253DC-7777-1B7E-3092-133365971E2B}"/>
+              </a:ext>
+            </a:extLst>
+          </p:cNvPr>
+          <p:cNvPicPr>
+            <a:picLocks noChangeAspect="1"/>
+          </p:cNvPicPr>
+          <p:nvPr/>
+        </p:nvPicPr>
+        <p:blipFill>
+          <a:blip r:embed="rId2"/>
+          <a:stretch>
+            <a:fillRect/>
+          </a:stretch>
+        </p:blipFill>
+        <p:spPr>
+          <a:xfrm>
+            <a:off x="5493104" y="1444118"/>
+            <a:ext cx="6616834" cy="1955582"/>
+          </a:xfrm>
+          <a:prstGeom prst="rect">
+            <a:avLst/>
+          </a:prstGeom>
+        </p:spPr>
+      </p:pic>
     </p:spTree>
     <p:extLst>
       <p:ext uri="{BB962C8B-B14F-4D97-AF65-F5344CB8AC3E}">
-        <p14:creationId xmlns:p14="http://schemas.microsoft.com/office/powerpoint/2010/main" val="219548777"/>
+        <p14:creationId xmlns:p14="http://schemas.microsoft.com/office/powerpoint/2010/main" val="2238841604"/>
+      </p:ext>
+    </p:extLst>
+  </p:cSld>
+  <p:clrMapOvr>
+    <a:masterClrMapping/>
+  </p:clrMapOvr>
+</p:sld>
+</file>
+
+<file path=ppt/slides/slide9.xml><?xml version="1.0" encoding="utf-8"?>
+<p:sld xmlns:a="http://schemas.openxmlformats.org/drawingml/2006/main" xmlns:r="http://schemas.openxmlformats.org/officeDocument/2006/relationships" xmlns:p="http://schemas.openxmlformats.org/presentationml/2006/main">
+  <p:cSld>
+    <p:spTree>
+      <p:nvGrpSpPr>
+        <p:cNvPr id="1" name="">
+          <a:extLst>
+            <a:ext uri="{FF2B5EF4-FFF2-40B4-BE49-F238E27FC236}">
+              <a16:creationId xmlns:a16="http://schemas.microsoft.com/office/drawing/2014/main" id="{3FFD151F-36EC-2ECC-1A20-8603340C2154}"/>
+            </a:ext>
+          </a:extLst>
+        </p:cNvPr>
+        <p:cNvGrpSpPr/>
+        <p:nvPr/>
+      </p:nvGrpSpPr>
+      <p:grpSpPr>
+        <a:xfrm>
+          <a:off x="0" y="0"/>
+          <a:ext cx="0" cy="0"/>
+          <a:chOff x="0" y="0"/>
+          <a:chExt cx="0" cy="0"/>
+        </a:xfrm>
+      </p:grpSpPr>
+      <p:sp>
+        <p:nvSpPr>
+          <p:cNvPr id="56" name="Date Placeholder 4">
+            <a:extLst>
+              <a:ext uri="{FF2B5EF4-FFF2-40B4-BE49-F238E27FC236}">
+                <a16:creationId xmlns:a16="http://schemas.microsoft.com/office/drawing/2014/main" id="{1B347B23-8C82-DEA1-BEB9-BD92BC4DCC76}"/>
+              </a:ext>
+            </a:extLst>
+          </p:cNvPr>
+          <p:cNvSpPr>
+            <a:spLocks noGrp="1"/>
+          </p:cNvSpPr>
+          <p:nvPr>
+            <p:ph type="dt" sz="half" idx="10"/>
+          </p:nvPr>
+        </p:nvSpPr>
+        <p:spPr/>
+        <p:txBody>
+          <a:bodyPr/>
+          <a:lstStyle/>
+          <a:p>
+            <a:pPr rtl="0">
+              <a:spcAft>
+                <a:spcPts val="600"/>
+              </a:spcAft>
+            </a:pPr>
+            <a:fld id="{4CD334EC-5459-4A98-AF88-01FD6D7BAF68}" type="datetime1">
+              <a:rPr lang="de-DE" smtClean="0"/>
+              <a:pPr rtl="0">
+                <a:spcAft>
+                  <a:spcPts val="600"/>
+                </a:spcAft>
+              </a:pPr>
+              <a:t>26.03.2025</a:t>
+            </a:fld>
+            <a:endParaRPr lang="en-US"/>
+          </a:p>
+        </p:txBody>
+      </p:sp>
+      <p:sp>
+        <p:nvSpPr>
+          <p:cNvPr id="2" name="Titel 1">
+            <a:extLst>
+              <a:ext uri="{FF2B5EF4-FFF2-40B4-BE49-F238E27FC236}">
+                <a16:creationId xmlns:a16="http://schemas.microsoft.com/office/drawing/2014/main" id="{0776E76A-E804-6E38-F03F-9C84E84311AD}"/>
+              </a:ext>
+            </a:extLst>
+          </p:cNvPr>
+          <p:cNvSpPr>
+            <a:spLocks noGrp="1"/>
+          </p:cNvSpPr>
+          <p:nvPr>
+            <p:ph type="title" idx="4294967295"/>
+          </p:nvPr>
+        </p:nvSpPr>
+        <p:spPr>
+          <a:xfrm>
+            <a:off x="674705" y="424433"/>
+            <a:ext cx="10058400" cy="682625"/>
+          </a:xfrm>
+        </p:spPr>
+        <p:txBody>
+          <a:bodyPr rtlCol="0" anchor="b">
+            <a:noAutofit/>
+          </a:bodyPr>
+          <a:lstStyle/>
+          <a:p>
+            <a:pPr lvl="0" rtl="0"/>
+            <a:r>
+              <a:rPr lang="de" sz="4800" b="1" i="1" u="sng" dirty="0">
+                <a:latin typeface="Bahnschrift Light" panose="020B0502040204020203" pitchFamily="34" charset="0"/>
+              </a:rPr>
+              <a:t>Read example</a:t>
+            </a:r>
+          </a:p>
+        </p:txBody>
+      </p:sp>
+      <p:sp>
+        <p:nvSpPr>
+          <p:cNvPr id="3" name="Textfeld 3">
+            <a:extLst>
+              <a:ext uri="{FF2B5EF4-FFF2-40B4-BE49-F238E27FC236}">
+                <a16:creationId xmlns:a16="http://schemas.microsoft.com/office/drawing/2014/main" id="{BB6D887A-515A-CDBC-6130-252500DF380C}"/>
+              </a:ext>
+            </a:extLst>
+          </p:cNvPr>
+          <p:cNvSpPr txBox="1"/>
+          <p:nvPr/>
+        </p:nvSpPr>
+        <p:spPr>
+          <a:xfrm>
+            <a:off x="761368" y="1620457"/>
+            <a:ext cx="10669263" cy="3026470"/>
+          </a:xfrm>
+          <a:prstGeom prst="rect">
+            <a:avLst/>
+          </a:prstGeom>
+          <a:noFill/>
+          <a:ln w="28575">
+            <a:solidFill>
+              <a:schemeClr val="tx1"/>
+            </a:solidFill>
+          </a:ln>
+        </p:spPr>
+        <p:txBody>
+          <a:bodyPr wrap="square">
+            <a:spAutoFit/>
+          </a:bodyPr>
+          <a:lstStyle/>
+          <a:p>
+            <a:pPr>
+              <a:spcAft>
+                <a:spcPts val="800"/>
+              </a:spcAft>
+            </a:pPr>
+            <a:r>
+              <a:rPr lang="en-US" i="1" kern="100" dirty="0" err="1">
+                <a:effectLst/>
+                <a:latin typeface="Aptos" panose="020B0004020202020204" pitchFamily="34" charset="0"/>
+                <a:ea typeface="Aptos" panose="020B0004020202020204" pitchFamily="34" charset="0"/>
+                <a:cs typeface="Arial" panose="020B0604020202020204" pitchFamily="34" charset="0"/>
+              </a:rPr>
+              <a:t>df</a:t>
+            </a:r>
+            <a:r>
+              <a:rPr lang="en-US" i="1" kern="100" dirty="0">
+                <a:effectLst/>
+                <a:latin typeface="Aptos" panose="020B0004020202020204" pitchFamily="34" charset="0"/>
+                <a:ea typeface="Aptos" panose="020B0004020202020204" pitchFamily="34" charset="0"/>
+                <a:cs typeface="Arial" panose="020B0604020202020204" pitchFamily="34" charset="0"/>
+              </a:rPr>
+              <a:t> = </a:t>
+            </a:r>
+            <a:r>
+              <a:rPr lang="en-US" i="1" kern="100" dirty="0" err="1">
+                <a:effectLst/>
+                <a:latin typeface="Aptos" panose="020B0004020202020204" pitchFamily="34" charset="0"/>
+                <a:ea typeface="Aptos" panose="020B0004020202020204" pitchFamily="34" charset="0"/>
+                <a:cs typeface="Arial" panose="020B0604020202020204" pitchFamily="34" charset="0"/>
+              </a:rPr>
+              <a:t>spark.read</a:t>
+            </a:r>
+            <a:r>
+              <a:rPr lang="en-US" i="1" kern="100" dirty="0">
+                <a:effectLst/>
+                <a:latin typeface="Aptos" panose="020B0004020202020204" pitchFamily="34" charset="0"/>
+                <a:ea typeface="Aptos" panose="020B0004020202020204" pitchFamily="34" charset="0"/>
+                <a:cs typeface="Arial" panose="020B0604020202020204" pitchFamily="34" charset="0"/>
+              </a:rPr>
+              <a:t> \</a:t>
+            </a:r>
+          </a:p>
+          <a:p>
+            <a:pPr>
+              <a:spcAft>
+                <a:spcPts val="800"/>
+              </a:spcAft>
+            </a:pPr>
+            <a:r>
+              <a:rPr lang="en-US" i="1" kern="100" dirty="0">
+                <a:effectLst/>
+                <a:latin typeface="Aptos" panose="020B0004020202020204" pitchFamily="34" charset="0"/>
+                <a:ea typeface="Aptos" panose="020B0004020202020204" pitchFamily="34" charset="0"/>
+                <a:cs typeface="Arial" panose="020B0604020202020204" pitchFamily="34" charset="0"/>
+              </a:rPr>
+              <a:t>    .format("org.neo4j.spark.DataSource") \</a:t>
+            </a:r>
+          </a:p>
+          <a:p>
+            <a:pPr>
+              <a:spcAft>
+                <a:spcPts val="800"/>
+              </a:spcAft>
+            </a:pPr>
+            <a:r>
+              <a:rPr lang="en-US" i="1" kern="100" dirty="0">
+                <a:effectLst/>
+                <a:latin typeface="Aptos" panose="020B0004020202020204" pitchFamily="34" charset="0"/>
+                <a:ea typeface="Aptos" panose="020B0004020202020204" pitchFamily="34" charset="0"/>
+                <a:cs typeface="Arial" panose="020B0604020202020204" pitchFamily="34" charset="0"/>
+              </a:rPr>
+              <a:t>    .option("</a:t>
+            </a:r>
+            <a:r>
+              <a:rPr lang="en-US" i="1" kern="100" dirty="0" err="1">
+                <a:effectLst/>
+                <a:latin typeface="Aptos" panose="020B0004020202020204" pitchFamily="34" charset="0"/>
+                <a:ea typeface="Aptos" panose="020B0004020202020204" pitchFamily="34" charset="0"/>
+                <a:cs typeface="Arial" panose="020B0604020202020204" pitchFamily="34" charset="0"/>
+              </a:rPr>
+              <a:t>url</a:t>
+            </a:r>
+            <a:r>
+              <a:rPr lang="en-US" i="1" kern="100" dirty="0">
+                <a:effectLst/>
+                <a:latin typeface="Aptos" panose="020B0004020202020204" pitchFamily="34" charset="0"/>
+                <a:ea typeface="Aptos" panose="020B0004020202020204" pitchFamily="34" charset="0"/>
+                <a:cs typeface="Arial" panose="020B0604020202020204" pitchFamily="34" charset="0"/>
+              </a:rPr>
+              <a:t>", neo4j_url) \</a:t>
+            </a:r>
+          </a:p>
+          <a:p>
+            <a:pPr>
+              <a:spcAft>
+                <a:spcPts val="800"/>
+              </a:spcAft>
+            </a:pPr>
+            <a:r>
+              <a:rPr lang="en-US" i="1" kern="100" dirty="0">
+                <a:effectLst/>
+                <a:latin typeface="Aptos" panose="020B0004020202020204" pitchFamily="34" charset="0"/>
+                <a:ea typeface="Aptos" panose="020B0004020202020204" pitchFamily="34" charset="0"/>
+                <a:cs typeface="Arial" panose="020B0604020202020204" pitchFamily="34" charset="0"/>
+              </a:rPr>
+              <a:t>    .option("</a:t>
+            </a:r>
+            <a:r>
+              <a:rPr lang="en-US" i="1" kern="100" dirty="0" err="1">
+                <a:effectLst/>
+                <a:latin typeface="Aptos" panose="020B0004020202020204" pitchFamily="34" charset="0"/>
+                <a:ea typeface="Aptos" panose="020B0004020202020204" pitchFamily="34" charset="0"/>
+                <a:cs typeface="Arial" panose="020B0604020202020204" pitchFamily="34" charset="0"/>
+              </a:rPr>
+              <a:t>authentication.type</a:t>
+            </a:r>
+            <a:r>
+              <a:rPr lang="en-US" i="1" kern="100" dirty="0">
+                <a:effectLst/>
+                <a:latin typeface="Aptos" panose="020B0004020202020204" pitchFamily="34" charset="0"/>
+                <a:ea typeface="Aptos" panose="020B0004020202020204" pitchFamily="34" charset="0"/>
+                <a:cs typeface="Arial" panose="020B0604020202020204" pitchFamily="34" charset="0"/>
+              </a:rPr>
+              <a:t>", "basic") \</a:t>
+            </a:r>
+          </a:p>
+          <a:p>
+            <a:pPr>
+              <a:spcAft>
+                <a:spcPts val="800"/>
+              </a:spcAft>
+            </a:pPr>
+            <a:r>
+              <a:rPr lang="en-US" i="1" kern="100" dirty="0">
+                <a:effectLst/>
+                <a:latin typeface="Aptos" panose="020B0004020202020204" pitchFamily="34" charset="0"/>
+                <a:ea typeface="Aptos" panose="020B0004020202020204" pitchFamily="34" charset="0"/>
+                <a:cs typeface="Arial" panose="020B0604020202020204" pitchFamily="34" charset="0"/>
+              </a:rPr>
+              <a:t>    .option("</a:t>
+            </a:r>
+            <a:r>
+              <a:rPr lang="en-US" i="1" kern="100" dirty="0" err="1">
+                <a:effectLst/>
+                <a:latin typeface="Aptos" panose="020B0004020202020204" pitchFamily="34" charset="0"/>
+                <a:ea typeface="Aptos" panose="020B0004020202020204" pitchFamily="34" charset="0"/>
+                <a:cs typeface="Arial" panose="020B0604020202020204" pitchFamily="34" charset="0"/>
+              </a:rPr>
+              <a:t>authentication.basic.username</a:t>
+            </a:r>
+            <a:r>
+              <a:rPr lang="en-US" i="1" kern="100" dirty="0">
+                <a:effectLst/>
+                <a:latin typeface="Aptos" panose="020B0004020202020204" pitchFamily="34" charset="0"/>
+                <a:ea typeface="Aptos" panose="020B0004020202020204" pitchFamily="34" charset="0"/>
+                <a:cs typeface="Arial" panose="020B0604020202020204" pitchFamily="34" charset="0"/>
+              </a:rPr>
+              <a:t>", neo4j_user) \</a:t>
+            </a:r>
+          </a:p>
+          <a:p>
+            <a:pPr>
+              <a:spcAft>
+                <a:spcPts val="800"/>
+              </a:spcAft>
+            </a:pPr>
+            <a:r>
+              <a:rPr lang="en-US" i="1" kern="100" dirty="0">
+                <a:effectLst/>
+                <a:latin typeface="Aptos" panose="020B0004020202020204" pitchFamily="34" charset="0"/>
+                <a:ea typeface="Aptos" panose="020B0004020202020204" pitchFamily="34" charset="0"/>
+                <a:cs typeface="Arial" panose="020B0604020202020204" pitchFamily="34" charset="0"/>
+              </a:rPr>
+              <a:t>    .option("</a:t>
+            </a:r>
+            <a:r>
+              <a:rPr lang="en-US" i="1" kern="100" dirty="0" err="1">
+                <a:effectLst/>
+                <a:latin typeface="Aptos" panose="020B0004020202020204" pitchFamily="34" charset="0"/>
+                <a:ea typeface="Aptos" panose="020B0004020202020204" pitchFamily="34" charset="0"/>
+                <a:cs typeface="Arial" panose="020B0604020202020204" pitchFamily="34" charset="0"/>
+              </a:rPr>
+              <a:t>authentication.basic.password</a:t>
+            </a:r>
+            <a:r>
+              <a:rPr lang="en-US" i="1" kern="100" dirty="0">
+                <a:effectLst/>
+                <a:latin typeface="Aptos" panose="020B0004020202020204" pitchFamily="34" charset="0"/>
+                <a:ea typeface="Aptos" panose="020B0004020202020204" pitchFamily="34" charset="0"/>
+                <a:cs typeface="Arial" panose="020B0604020202020204" pitchFamily="34" charset="0"/>
+              </a:rPr>
+              <a:t>", neo4j_password) \</a:t>
+            </a:r>
+          </a:p>
+          <a:p>
+            <a:pPr>
+              <a:spcAft>
+                <a:spcPts val="800"/>
+              </a:spcAft>
+            </a:pPr>
+            <a:r>
+              <a:rPr lang="en-US" i="1" kern="100" dirty="0">
+                <a:effectLst/>
+                <a:latin typeface="Aptos" panose="020B0004020202020204" pitchFamily="34" charset="0"/>
+                <a:ea typeface="Aptos" panose="020B0004020202020204" pitchFamily="34" charset="0"/>
+                <a:cs typeface="Arial" panose="020B0604020202020204" pitchFamily="34" charset="0"/>
+              </a:rPr>
+              <a:t>    .option("labels", ":Product") \</a:t>
+            </a:r>
+          </a:p>
+          <a:p>
+            <a:pPr>
+              <a:spcAft>
+                <a:spcPts val="800"/>
+              </a:spcAft>
+            </a:pPr>
+            <a:r>
+              <a:rPr lang="en-US" i="1" kern="100" dirty="0">
+                <a:effectLst/>
+                <a:latin typeface="Aptos" panose="020B0004020202020204" pitchFamily="34" charset="0"/>
+                <a:ea typeface="Aptos" panose="020B0004020202020204" pitchFamily="34" charset="0"/>
+                <a:cs typeface="Arial" panose="020B0604020202020204" pitchFamily="34" charset="0"/>
+              </a:rPr>
+              <a:t>    .load()</a:t>
+            </a:r>
+          </a:p>
+        </p:txBody>
+      </p:sp>
+    </p:spTree>
+    <p:extLst>
+      <p:ext uri="{BB962C8B-B14F-4D97-AF65-F5344CB8AC3E}">
+        <p14:creationId xmlns:p14="http://schemas.microsoft.com/office/powerpoint/2010/main" val="1780088348"/>
       </p:ext>
     </p:extLst>
   </p:cSld>

--- a/spark_cluster/notebooks/examples/tarea_NoSQL.pptx
+++ b/spark_cluster/notebooks/examples/tarea_NoSQL.pptx
@@ -626,7 +626,7 @@
             <a:pPr rtl="0"/>
             <a:fld id="{ED92CB86-0DB9-4A70-B1CF-B23508471F6B}" type="slidenum">
               <a:rPr lang="en-US" smtClean="0"/>
-              <a:t>‹Nº›</a:t>
+              <a:t>‹Nr.›</a:t>
             </a:fld>
             <a:endParaRPr lang="en-US"/>
           </a:p>
@@ -891,7 +891,7 @@
             <a:pPr rtl="0"/>
             <a:fld id="{9C2B151B-D7D1-48E5-8230-5AADBC794F88}" type="slidenum">
               <a:rPr lang="en-US" smtClean="0"/>
-              <a:t>‹Nº›</a:t>
+              <a:t>‹Nr.›</a:t>
             </a:fld>
             <a:endParaRPr lang="en-US"/>
           </a:p>
@@ -1207,7 +1207,7 @@
             <a:pPr rtl="0"/>
             <a:fld id="{3A98EE3D-8CD1-4C3F-BD1C-C98C9596463C}" type="slidenum">
               <a:rPr lang="en-US" smtClean="0"/>
-              <a:t>‹Nº›</a:t>
+              <a:t>‹Nr.›</a:t>
             </a:fld>
             <a:endParaRPr lang="en-US" dirty="0"/>
           </a:p>
@@ -1410,7 +1410,7 @@
             <a:pPr rtl="0"/>
             <a:fld id="{3A98EE3D-8CD1-4C3F-BD1C-C98C9596463C}" type="slidenum">
               <a:rPr lang="en-US" smtClean="0"/>
-              <a:t>‹Nº›</a:t>
+              <a:t>‹Nr.›</a:t>
             </a:fld>
             <a:endParaRPr lang="en-US" dirty="0"/>
           </a:p>
@@ -1623,7 +1623,7 @@
             <a:pPr rtl="0"/>
             <a:fld id="{3A98EE3D-8CD1-4C3F-BD1C-C98C9596463C}" type="slidenum">
               <a:rPr lang="en-US" smtClean="0"/>
-              <a:t>‹Nº›</a:t>
+              <a:t>‹Nr.›</a:t>
             </a:fld>
             <a:endParaRPr lang="en-US" dirty="0"/>
           </a:p>
@@ -1826,7 +1826,7 @@
             <a:pPr rtl="0"/>
             <a:fld id="{3A98EE3D-8CD1-4C3F-BD1C-C98C9596463C}" type="slidenum">
               <a:rPr lang="en-US" smtClean="0"/>
-              <a:t>‹Nº›</a:t>
+              <a:t>‹Nr.›</a:t>
             </a:fld>
             <a:endParaRPr lang="en-US" dirty="0"/>
           </a:p>
@@ -2105,7 +2105,7 @@
             <a:pPr rtl="0"/>
             <a:fld id="{3A98EE3D-8CD1-4C3F-BD1C-C98C9596463C}" type="slidenum">
               <a:rPr lang="en-US" smtClean="0"/>
-              <a:t>‹Nº›</a:t>
+              <a:t>‹Nr.›</a:t>
             </a:fld>
             <a:endParaRPr lang="en-US" dirty="0"/>
           </a:p>
@@ -2377,7 +2377,7 @@
             <a:pPr rtl="0"/>
             <a:fld id="{3A98EE3D-8CD1-4C3F-BD1C-C98C9596463C}" type="slidenum">
               <a:rPr lang="en-US" smtClean="0"/>
-              <a:t>‹Nº›</a:t>
+              <a:t>‹Nr.›</a:t>
             </a:fld>
             <a:endParaRPr lang="en-US" dirty="0"/>
           </a:p>
@@ -2795,7 +2795,7 @@
             <a:pPr rtl="0"/>
             <a:fld id="{3A98EE3D-8CD1-4C3F-BD1C-C98C9596463C}" type="slidenum">
               <a:rPr lang="en-US" smtClean="0"/>
-              <a:t>‹Nº›</a:t>
+              <a:t>‹Nr.›</a:t>
             </a:fld>
             <a:endParaRPr lang="en-US" dirty="0"/>
           </a:p>
@@ -2940,7 +2940,7 @@
             <a:pPr rtl="0"/>
             <a:fld id="{3A98EE3D-8CD1-4C3F-BD1C-C98C9596463C}" type="slidenum">
               <a:rPr lang="en-US" smtClean="0"/>
-              <a:t>‹Nº›</a:t>
+              <a:t>‹Nr.›</a:t>
             </a:fld>
             <a:endParaRPr lang="en-US" dirty="0"/>
           </a:p>
@@ -3056,7 +3056,7 @@
             <a:pPr rtl="0"/>
             <a:fld id="{3A98EE3D-8CD1-4C3F-BD1C-C98C9596463C}" type="slidenum">
               <a:rPr lang="en-US" smtClean="0"/>
-              <a:t>‹Nº›</a:t>
+              <a:t>‹Nr.›</a:t>
             </a:fld>
             <a:endParaRPr lang="en-US" dirty="0"/>
           </a:p>
@@ -3372,7 +3372,7 @@
             <a:pPr rtl="0"/>
             <a:fld id="{3A98EE3D-8CD1-4C3F-BD1C-C98C9596463C}" type="slidenum">
               <a:rPr lang="en-US" smtClean="0"/>
-              <a:t>‹Nº›</a:t>
+              <a:t>‹Nr.›</a:t>
             </a:fld>
             <a:endParaRPr lang="en-US" dirty="0"/>
           </a:p>
@@ -3665,7 +3665,7 @@
             <a:pPr rtl="0"/>
             <a:fld id="{3A98EE3D-8CD1-4C3F-BD1C-C98C9596463C}" type="slidenum">
               <a:rPr lang="en-US" smtClean="0"/>
-              <a:t>‹Nº›</a:t>
+              <a:t>‹Nr.›</a:t>
             </a:fld>
             <a:endParaRPr lang="en-US" dirty="0"/>
           </a:p>
@@ -3948,7 +3948,7 @@
             <a:pPr rtl="0"/>
             <a:fld id="{3A98EE3D-8CD1-4C3F-BD1C-C98C9596463C}" type="slidenum">
               <a:rPr lang="en-US" smtClean="0"/>
-              <a:t>‹Nº›</a:t>
+              <a:t>‹Nr.›</a:t>
             </a:fld>
             <a:endParaRPr lang="en-US" dirty="0"/>
           </a:p>
@@ -5173,6 +5173,50 @@
           </a:p>
         </p:txBody>
       </p:sp>
+      <p:sp>
+        <p:nvSpPr>
+          <p:cNvPr id="4" name="Date Placeholder 4">
+            <a:extLst>
+              <a:ext uri="{FF2B5EF4-FFF2-40B4-BE49-F238E27FC236}">
+                <a16:creationId xmlns:a16="http://schemas.microsoft.com/office/drawing/2014/main" id="{CCD94E9A-08D0-166A-005C-C9798982F93E}"/>
+              </a:ext>
+            </a:extLst>
+          </p:cNvPr>
+          <p:cNvSpPr>
+            <a:spLocks noGrp="1"/>
+          </p:cNvSpPr>
+          <p:nvPr>
+            <p:ph type="dt" sz="half" idx="10"/>
+          </p:nvPr>
+        </p:nvSpPr>
+        <p:spPr>
+          <a:xfrm>
+            <a:off x="838200" y="6356350"/>
+            <a:ext cx="2743200" cy="365125"/>
+          </a:xfrm>
+        </p:spPr>
+        <p:txBody>
+          <a:bodyPr/>
+          <a:lstStyle/>
+          <a:p>
+            <a:pPr rtl="0">
+              <a:spcAft>
+                <a:spcPts val="600"/>
+              </a:spcAft>
+            </a:pPr>
+            <a:fld id="{4CD334EC-5459-4A98-AF88-01FD6D7BAF68}" type="datetime1">
+              <a:rPr lang="de-DE" smtClean="0"/>
+              <a:pPr rtl="0">
+                <a:spcAft>
+                  <a:spcPts val="600"/>
+                </a:spcAft>
+              </a:pPr>
+              <a:t>26.03.2025</a:t>
+            </a:fld>
+            <a:endParaRPr lang="en-US"/>
+          </a:p>
+        </p:txBody>
+      </p:sp>
     </p:spTree>
     <p:extLst>
       <p:ext uri="{BB962C8B-B14F-4D97-AF65-F5344CB8AC3E}">
@@ -6133,6 +6177,11 @@
           <a:prstGeom prst="rect">
             <a:avLst/>
           </a:prstGeom>
+          <a:ln w="28575">
+            <a:solidFill>
+              <a:schemeClr val="tx1"/>
+            </a:solidFill>
+          </a:ln>
         </p:spPr>
       </p:pic>
       <p:pic>
@@ -6625,8 +6674,8 @@
         </p:blipFill>
         <p:spPr>
           <a:xfrm>
-            <a:off x="6932537" y="2191297"/>
-            <a:ext cx="5102146" cy="2416806"/>
+            <a:off x="6477714" y="2681746"/>
+            <a:ext cx="5571275" cy="2639025"/>
           </a:xfrm>
           <a:prstGeom prst="rect">
             <a:avLst/>
@@ -6794,7 +6843,7 @@
                 <a:ea typeface="Aptos" panose="020B0004020202020204" pitchFamily="34" charset="0"/>
                 <a:cs typeface="Arial" panose="020B0604020202020204" pitchFamily="34" charset="0"/>
               </a:rPr>
-              <a:t>spark = </a:t>
+              <a:t>1.      spark = </a:t>
             </a:r>
             <a:r>
               <a:rPr lang="en-US" i="1" kern="100" dirty="0" err="1">
@@ -6831,7 +6880,7 @@
                 <a:ea typeface="Aptos" panose="020B0004020202020204" pitchFamily="34" charset="0"/>
                 <a:cs typeface="Arial" panose="020B0604020202020204" pitchFamily="34" charset="0"/>
               </a:rPr>
-              <a:t>	.</a:t>
+              <a:t>2. 	.</a:t>
             </a:r>
             <a:r>
               <a:rPr lang="en-US" i="1" kern="100" dirty="0" err="1">
@@ -6868,7 +6917,62 @@
                 <a:ea typeface="Aptos" panose="020B0004020202020204" pitchFamily="34" charset="0"/>
                 <a:cs typeface="Arial" panose="020B0604020202020204" pitchFamily="34" charset="0"/>
               </a:rPr>
-              <a:t>	.master("spark://8776010e8f6a:7077") \</a:t>
+              <a:t>3. 	.master("spark://8776010e8f6a:7077") \</a:t>
+            </a:r>
+          </a:p>
+          <a:p>
+            <a:pPr marL="898525" indent="-898525">
+              <a:lnSpc>
+                <a:spcPct val="115000"/>
+              </a:lnSpc>
+              <a:spcAft>
+                <a:spcPts val="800"/>
+              </a:spcAft>
+            </a:pPr>
+            <a:r>
+              <a:rPr lang="en-US" i="1" kern="100" dirty="0">
+                <a:effectLst/>
+                <a:latin typeface="Aptos" panose="020B0004020202020204" pitchFamily="34" charset="0"/>
+                <a:ea typeface="Aptos" panose="020B0004020202020204" pitchFamily="34" charset="0"/>
+                <a:cs typeface="Arial" panose="020B0604020202020204" pitchFamily="34" charset="0"/>
+              </a:rPr>
+              <a:t>4. 	.config("</a:t>
+            </a:r>
+            <a:r>
+              <a:rPr lang="en-US" i="1" kern="100" dirty="0" err="1">
+                <a:effectLst/>
+                <a:latin typeface="Aptos" panose="020B0004020202020204" pitchFamily="34" charset="0"/>
+                <a:ea typeface="Aptos" panose="020B0004020202020204" pitchFamily="34" charset="0"/>
+                <a:cs typeface="Arial" panose="020B0604020202020204" pitchFamily="34" charset="0"/>
+              </a:rPr>
+              <a:t>spark.jars</a:t>
+            </a:r>
+            <a:r>
+              <a:rPr lang="en-US" i="1" kern="100" dirty="0">
+                <a:effectLst/>
+                <a:latin typeface="Aptos" panose="020B0004020202020204" pitchFamily="34" charset="0"/>
+                <a:ea typeface="Aptos" panose="020B0004020202020204" pitchFamily="34" charset="0"/>
+                <a:cs typeface="Arial" panose="020B0604020202020204" pitchFamily="34" charset="0"/>
+              </a:rPr>
+              <a:t>", "/home/</a:t>
+            </a:r>
+            <a:r>
+              <a:rPr lang="en-US" i="1" kern="100" dirty="0" err="1">
+                <a:effectLst/>
+                <a:latin typeface="Aptos" panose="020B0004020202020204" pitchFamily="34" charset="0"/>
+                <a:ea typeface="Aptos" panose="020B0004020202020204" pitchFamily="34" charset="0"/>
+                <a:cs typeface="Arial" panose="020B0604020202020204" pitchFamily="34" charset="0"/>
+              </a:rPr>
+              <a:t>jovyan</a:t>
+            </a:r>
+            <a:r>
+              <a:rPr lang="en-US" i="1" kern="100" dirty="0">
+                <a:effectLst/>
+                <a:latin typeface="Aptos" panose="020B0004020202020204" pitchFamily="34" charset="0"/>
+                <a:ea typeface="Aptos" panose="020B0004020202020204" pitchFamily="34" charset="0"/>
+                <a:cs typeface="Arial" panose="020B0604020202020204" pitchFamily="34" charset="0"/>
+              </a:rPr>
+              <a:t>/notebooks/jars/neo4j-connector-apache-spark_2.13- 5.3.5_for_spark_3.jar") \</a:t>
             </a:r>
           </a:p>
           <a:p>
@@ -6887,43 +6991,7 @@
                 <a:ea typeface="Aptos" panose="020B0004020202020204" pitchFamily="34" charset="0"/>
                 <a:cs typeface="Arial" panose="020B0604020202020204" pitchFamily="34" charset="0"/>
               </a:rPr>
-              <a:t>	.config("</a:t>
-            </a:r>
-            <a:r>
-              <a:rPr lang="en-US" i="1" kern="100" dirty="0" err="1">
-                <a:effectLst/>
-                <a:latin typeface="Aptos" panose="020B0004020202020204" pitchFamily="34" charset="0"/>
-                <a:ea typeface="Aptos" panose="020B0004020202020204" pitchFamily="34" charset="0"/>
-                <a:cs typeface="Arial" panose="020B0604020202020204" pitchFamily="34" charset="0"/>
-              </a:rPr>
-              <a:t>spark.jars</a:t>
-            </a:r>
-            <a:r>
-              <a:rPr lang="en-US" i="1" kern="100" dirty="0">
-                <a:effectLst/>
-                <a:latin typeface="Aptos" panose="020B0004020202020204" pitchFamily="34" charset="0"/>
-                <a:ea typeface="Aptos" panose="020B0004020202020204" pitchFamily="34" charset="0"/>
-                <a:cs typeface="Arial" panose="020B0604020202020204" pitchFamily="34" charset="0"/>
-              </a:rPr>
-              <a:t>", "/home/</a:t>
-            </a:r>
-            <a:r>
-              <a:rPr lang="en-US" i="1" kern="100" dirty="0" err="1">
-                <a:effectLst/>
-                <a:latin typeface="Aptos" panose="020B0004020202020204" pitchFamily="34" charset="0"/>
-                <a:ea typeface="Aptos" panose="020B0004020202020204" pitchFamily="34" charset="0"/>
-                <a:cs typeface="Arial" panose="020B0604020202020204" pitchFamily="34" charset="0"/>
-              </a:rPr>
-              <a:t>jovyan</a:t>
-            </a:r>
-            <a:r>
-              <a:rPr lang="en-US" i="1" kern="100" dirty="0">
-                <a:effectLst/>
-                <a:latin typeface="Aptos" panose="020B0004020202020204" pitchFamily="34" charset="0"/>
-                <a:ea typeface="Aptos" panose="020B0004020202020204" pitchFamily="34" charset="0"/>
-                <a:cs typeface="Arial" panose="020B0604020202020204" pitchFamily="34" charset="0"/>
-              </a:rPr>
-              <a:t>/notebooks/jars/neo4j-connector-apache-spark_2.13-5.3.5_for_spark_3.jar") \</a:t>
+              <a:t>5. 	.config("spark.ui.port","4040") \</a:t>
             </a:r>
           </a:p>
           <a:p>
@@ -6942,26 +7010,7 @@
                 <a:ea typeface="Aptos" panose="020B0004020202020204" pitchFamily="34" charset="0"/>
                 <a:cs typeface="Arial" panose="020B0604020202020204" pitchFamily="34" charset="0"/>
               </a:rPr>
-              <a:t>	.config("spark.ui.port","4040") \</a:t>
-            </a:r>
-          </a:p>
-          <a:p>
-            <a:pPr>
-              <a:lnSpc>
-                <a:spcPct val="115000"/>
-              </a:lnSpc>
-              <a:spcAft>
-                <a:spcPts val="800"/>
-              </a:spcAft>
-            </a:pPr>
-            <a:r>
-              <a:rPr lang="en-US" i="1" kern="100" dirty="0">
-                <a:effectLst/>
-                <a:latin typeface="Aptos" panose="020B0004020202020204" pitchFamily="34" charset="0"/>
-                <a:ea typeface="Aptos" panose="020B0004020202020204" pitchFamily="34" charset="0"/>
-                <a:cs typeface="Arial" panose="020B0604020202020204" pitchFamily="34" charset="0"/>
-              </a:rPr>
-              <a:t>	.</a:t>
+              <a:t>6. 	.</a:t>
             </a:r>
             <a:r>
               <a:rPr lang="en-US" i="1" kern="100" dirty="0" err="1">
@@ -7136,7 +7185,7 @@
           </a:bodyPr>
           <a:lstStyle/>
           <a:p>
-            <a:pPr>
+            <a:pPr marL="182563">
               <a:spcAft>
                 <a:spcPts val="800"/>
               </a:spcAft>
@@ -7148,11 +7197,11 @@
                 <a:ea typeface="Aptos" panose="020B0004020202020204" pitchFamily="34" charset="0"/>
                 <a:cs typeface="Arial" panose="020B0604020202020204" pitchFamily="34" charset="0"/>
               </a:rPr>
-              <a:t>neo4j_url = "bolt://neo4j-iteso:7687"</a:t>
-            </a:r>
-          </a:p>
-          <a:p>
-            <a:pPr>
+              <a:t>1 .	neo4j_url = "bolt://neo4j-iteso:7687"</a:t>
+            </a:r>
+          </a:p>
+          <a:p>
+            <a:pPr marL="182563">
               <a:spcAft>
                 <a:spcPts val="800"/>
               </a:spcAft>
@@ -7164,11 +7213,11 @@
                 <a:ea typeface="Aptos" panose="020B0004020202020204" pitchFamily="34" charset="0"/>
                 <a:cs typeface="Arial" panose="020B0604020202020204" pitchFamily="34" charset="0"/>
               </a:rPr>
-              <a:t>neo4j_user = "neo4j"</a:t>
-            </a:r>
-          </a:p>
-          <a:p>
-            <a:pPr>
+              <a:t>2. 	neo4j_user = "neo4j"</a:t>
+            </a:r>
+          </a:p>
+          <a:p>
+            <a:pPr marL="182563">
               <a:spcAft>
                 <a:spcPts val="800"/>
               </a:spcAft>
@@ -7180,11 +7229,11 @@
                 <a:ea typeface="Aptos" panose="020B0004020202020204" pitchFamily="34" charset="0"/>
                 <a:cs typeface="Arial" panose="020B0604020202020204" pitchFamily="34" charset="0"/>
               </a:rPr>
-              <a:t>neo4j_password = "123456789“</a:t>
-            </a:r>
-          </a:p>
-          <a:p>
-            <a:pPr>
+              <a:t>3. 	neo4j_password = "123456789“</a:t>
+            </a:r>
+          </a:p>
+          <a:p>
+            <a:pPr marL="182563">
               <a:spcAft>
                 <a:spcPts val="800"/>
               </a:spcAft>
@@ -7197,12 +7246,21 @@
             </a:endParaRPr>
           </a:p>
           <a:p>
-            <a:pPr>
+            <a:pPr marL="182563">
               <a:spcAft>
                 <a:spcPts val="800"/>
               </a:spcAft>
             </a:pPr>
             <a:r>
+              <a:rPr lang="en-US" i="1" kern="100" dirty="0">
+                <a:effectLst/>
+                <a:latin typeface="Aptos" panose="020B0004020202020204" pitchFamily="34" charset="0"/>
+                <a:ea typeface="Aptos" panose="020B0004020202020204" pitchFamily="34" charset="0"/>
+                <a:cs typeface="Arial" panose="020B0604020202020204" pitchFamily="34" charset="0"/>
+              </a:rPr>
+              <a:t>4.	</a:t>
+            </a:r>
+            <a:r>
               <a:rPr lang="en-US" i="1" kern="100" dirty="0" err="1">
                 <a:effectLst/>
                 <a:latin typeface="Aptos" panose="020B0004020202020204" pitchFamily="34" charset="0"/>
@@ -7222,10 +7280,13 @@
             </a:r>
           </a:p>
           <a:p>
-            <a:pPr>
+            <a:pPr marL="182563">
               <a:spcAft>
                 <a:spcPts val="800"/>
               </a:spcAft>
+              <a:tabLst>
+                <a:tab pos="1346200" algn="l"/>
+              </a:tabLst>
             </a:pPr>
             <a:r>
               <a:rPr lang="en-US" i="1" kern="100" dirty="0">
@@ -7234,14 +7295,17 @@
                 <a:ea typeface="Aptos" panose="020B0004020202020204" pitchFamily="34" charset="0"/>
                 <a:cs typeface="Arial" panose="020B0604020202020204" pitchFamily="34" charset="0"/>
               </a:rPr>
-              <a:t>    .format("org.neo4j.spark.DataSource") \</a:t>
-            </a:r>
-          </a:p>
-          <a:p>
-            <a:pPr>
+              <a:t>5.    	.format("org.neo4j.spark.DataSource") \</a:t>
+            </a:r>
+          </a:p>
+          <a:p>
+            <a:pPr marL="182563">
               <a:spcAft>
                 <a:spcPts val="800"/>
               </a:spcAft>
+              <a:tabLst>
+                <a:tab pos="1346200" algn="l"/>
+              </a:tabLst>
             </a:pPr>
             <a:r>
               <a:rPr lang="en-US" i="1" kern="100" dirty="0">
@@ -7250,14 +7314,34 @@
                 <a:ea typeface="Aptos" panose="020B0004020202020204" pitchFamily="34" charset="0"/>
                 <a:cs typeface="Arial" panose="020B0604020202020204" pitchFamily="34" charset="0"/>
               </a:rPr>
-              <a:t>    .mode("Overwrite") \</a:t>
-            </a:r>
-          </a:p>
-          <a:p>
-            <a:pPr>
+              <a:t>6.</a:t>
+            </a:r>
+            <a:r>
+              <a:rPr lang="en-US" i="1" kern="100" dirty="0">
+                <a:latin typeface="Aptos" panose="020B0004020202020204" pitchFamily="34" charset="0"/>
+                <a:ea typeface="Aptos" panose="020B0004020202020204" pitchFamily="34" charset="0"/>
+                <a:cs typeface="Arial" panose="020B0604020202020204" pitchFamily="34" charset="0"/>
+              </a:rPr>
+              <a:t>	</a:t>
+            </a:r>
+            <a:r>
+              <a:rPr lang="en-US" i="1" kern="100" dirty="0">
+                <a:effectLst/>
+                <a:latin typeface="Aptos" panose="020B0004020202020204" pitchFamily="34" charset="0"/>
+                <a:ea typeface="Aptos" panose="020B0004020202020204" pitchFamily="34" charset="0"/>
+                <a:cs typeface="Arial" panose="020B0604020202020204" pitchFamily="34" charset="0"/>
+              </a:rPr>
+              <a:t>.mode("Overwrite") \</a:t>
+            </a:r>
+          </a:p>
+          <a:p>
+            <a:pPr marL="182563">
               <a:spcAft>
                 <a:spcPts val="800"/>
               </a:spcAft>
+              <a:tabLst>
+                <a:tab pos="1346200" algn="l"/>
+              </a:tabLst>
             </a:pPr>
             <a:r>
               <a:rPr lang="en-US" i="1" kern="100" dirty="0">
@@ -7266,7 +7350,24 @@
                 <a:ea typeface="Aptos" panose="020B0004020202020204" pitchFamily="34" charset="0"/>
                 <a:cs typeface="Arial" panose="020B0604020202020204" pitchFamily="34" charset="0"/>
               </a:rPr>
-              <a:t>    .option("</a:t>
+              <a:t>7.</a:t>
+            </a:r>
+            <a:r>
+              <a:rPr lang="en-US" i="1" kern="100" dirty="0">
+                <a:latin typeface="Aptos" panose="020B0004020202020204" pitchFamily="34" charset="0"/>
+                <a:ea typeface="Aptos" panose="020B0004020202020204" pitchFamily="34" charset="0"/>
+                <a:cs typeface="Arial" panose="020B0604020202020204" pitchFamily="34" charset="0"/>
+              </a:rPr>
+              <a:t>	</a:t>
+            </a:r>
+            <a:r>
+              <a:rPr lang="en-US" i="1" kern="100" dirty="0">
+                <a:effectLst/>
+                <a:latin typeface="Aptos" panose="020B0004020202020204" pitchFamily="34" charset="0"/>
+                <a:ea typeface="Aptos" panose="020B0004020202020204" pitchFamily="34" charset="0"/>
+                <a:cs typeface="Arial" panose="020B0604020202020204" pitchFamily="34" charset="0"/>
+              </a:rPr>
+              <a:t>.option("</a:t>
             </a:r>
             <a:r>
               <a:rPr lang="en-US" i="1" kern="100" dirty="0" err="1">
@@ -7288,10 +7389,13 @@
             </a:r>
           </a:p>
           <a:p>
-            <a:pPr>
+            <a:pPr marL="182563">
               <a:spcAft>
                 <a:spcPts val="800"/>
               </a:spcAft>
+              <a:tabLst>
+                <a:tab pos="1346200" algn="l"/>
+              </a:tabLst>
             </a:pPr>
             <a:r>
               <a:rPr lang="en-US" i="1" kern="100" dirty="0">
@@ -7300,7 +7404,24 @@
                 <a:ea typeface="Aptos" panose="020B0004020202020204" pitchFamily="34" charset="0"/>
                 <a:cs typeface="Arial" panose="020B0604020202020204" pitchFamily="34" charset="0"/>
               </a:rPr>
-              <a:t>    .option("</a:t>
+              <a:t>8. </a:t>
+            </a:r>
+            <a:r>
+              <a:rPr lang="en-US" i="1" kern="100" dirty="0">
+                <a:latin typeface="Aptos" panose="020B0004020202020204" pitchFamily="34" charset="0"/>
+                <a:ea typeface="Aptos" panose="020B0004020202020204" pitchFamily="34" charset="0"/>
+                <a:cs typeface="Arial" panose="020B0604020202020204" pitchFamily="34" charset="0"/>
+              </a:rPr>
+              <a:t>	</a:t>
+            </a:r>
+            <a:r>
+              <a:rPr lang="en-US" i="1" kern="100" dirty="0">
+                <a:effectLst/>
+                <a:latin typeface="Aptos" panose="020B0004020202020204" pitchFamily="34" charset="0"/>
+                <a:ea typeface="Aptos" panose="020B0004020202020204" pitchFamily="34" charset="0"/>
+                <a:cs typeface="Arial" panose="020B0604020202020204" pitchFamily="34" charset="0"/>
+              </a:rPr>
+              <a:t>.option("</a:t>
             </a:r>
             <a:r>
               <a:rPr lang="en-US" i="1" kern="100" dirty="0" err="1">
@@ -7322,10 +7443,13 @@
             </a:r>
           </a:p>
           <a:p>
-            <a:pPr>
+            <a:pPr marL="182563">
               <a:spcAft>
                 <a:spcPts val="800"/>
               </a:spcAft>
+              <a:tabLst>
+                <a:tab pos="1346200" algn="l"/>
+              </a:tabLst>
             </a:pPr>
             <a:r>
               <a:rPr lang="en-US" i="1" kern="100" dirty="0">
@@ -7334,7 +7458,24 @@
                 <a:ea typeface="Aptos" panose="020B0004020202020204" pitchFamily="34" charset="0"/>
                 <a:cs typeface="Arial" panose="020B0604020202020204" pitchFamily="34" charset="0"/>
               </a:rPr>
-              <a:t>    .option("</a:t>
+              <a:t>9.</a:t>
+            </a:r>
+            <a:r>
+              <a:rPr lang="en-US" i="1" kern="100" dirty="0">
+                <a:latin typeface="Aptos" panose="020B0004020202020204" pitchFamily="34" charset="0"/>
+                <a:ea typeface="Aptos" panose="020B0004020202020204" pitchFamily="34" charset="0"/>
+                <a:cs typeface="Arial" panose="020B0604020202020204" pitchFamily="34" charset="0"/>
+              </a:rPr>
+              <a:t>	</a:t>
+            </a:r>
+            <a:r>
+              <a:rPr lang="en-US" i="1" kern="100" dirty="0">
+                <a:effectLst/>
+                <a:latin typeface="Aptos" panose="020B0004020202020204" pitchFamily="34" charset="0"/>
+                <a:ea typeface="Aptos" panose="020B0004020202020204" pitchFamily="34" charset="0"/>
+                <a:cs typeface="Arial" panose="020B0604020202020204" pitchFamily="34" charset="0"/>
+              </a:rPr>
+              <a:t>.option("</a:t>
             </a:r>
             <a:r>
               <a:rPr lang="en-US" i="1" kern="100" dirty="0" err="1">
@@ -7356,10 +7497,13 @@
             </a:r>
           </a:p>
           <a:p>
-            <a:pPr>
+            <a:pPr marL="182563">
               <a:spcAft>
                 <a:spcPts val="800"/>
               </a:spcAft>
+              <a:tabLst>
+                <a:tab pos="1346200" algn="l"/>
+              </a:tabLst>
             </a:pPr>
             <a:r>
               <a:rPr lang="en-US" i="1" kern="100" dirty="0">
@@ -7368,7 +7512,7 @@
                 <a:ea typeface="Aptos" panose="020B0004020202020204" pitchFamily="34" charset="0"/>
                 <a:cs typeface="Arial" panose="020B0604020202020204" pitchFamily="34" charset="0"/>
               </a:rPr>
-              <a:t>    .option("</a:t>
+              <a:t>10.    	.option("</a:t>
             </a:r>
             <a:r>
               <a:rPr lang="en-US" i="1" kern="100" dirty="0" err="1">
@@ -7390,10 +7534,13 @@
             </a:r>
           </a:p>
           <a:p>
-            <a:pPr>
+            <a:pPr marL="182563">
               <a:spcAft>
                 <a:spcPts val="800"/>
               </a:spcAft>
+              <a:tabLst>
+                <a:tab pos="1346200" algn="l"/>
+              </a:tabLst>
             </a:pPr>
             <a:r>
               <a:rPr lang="en-US" i="1" kern="100" dirty="0">
@@ -7402,14 +7549,17 @@
                 <a:ea typeface="Aptos" panose="020B0004020202020204" pitchFamily="34" charset="0"/>
                 <a:cs typeface="Arial" panose="020B0604020202020204" pitchFamily="34" charset="0"/>
               </a:rPr>
-              <a:t>    .option("labels", ":Product") \</a:t>
-            </a:r>
-          </a:p>
-          <a:p>
-            <a:pPr>
+              <a:t>11.    	.option("labels", ":Product") \</a:t>
+            </a:r>
+          </a:p>
+          <a:p>
+            <a:pPr marL="182563">
               <a:spcAft>
                 <a:spcPts val="800"/>
               </a:spcAft>
+              <a:tabLst>
+                <a:tab pos="1346200" algn="l"/>
+              </a:tabLst>
             </a:pPr>
             <a:r>
               <a:rPr lang="en-US" i="1" kern="100" dirty="0">
@@ -7418,7 +7568,7 @@
                 <a:ea typeface="Aptos" panose="020B0004020202020204" pitchFamily="34" charset="0"/>
                 <a:cs typeface="Arial" panose="020B0604020202020204" pitchFamily="34" charset="0"/>
               </a:rPr>
-              <a:t>    .option("</a:t>
+              <a:t>12.    	.option("</a:t>
             </a:r>
             <a:r>
               <a:rPr lang="en-US" i="1" kern="100" dirty="0" err="1">
@@ -7440,10 +7590,13 @@
             </a:r>
           </a:p>
           <a:p>
-            <a:pPr>
+            <a:pPr marL="182563">
               <a:spcAft>
                 <a:spcPts val="800"/>
               </a:spcAft>
+              <a:tabLst>
+                <a:tab pos="1346200" algn="l"/>
+              </a:tabLst>
             </a:pPr>
             <a:r>
               <a:rPr lang="en-US" i="1" kern="100" dirty="0">
@@ -7452,7 +7605,7 @@
                 <a:ea typeface="Aptos" panose="020B0004020202020204" pitchFamily="34" charset="0"/>
                 <a:cs typeface="Arial" panose="020B0604020202020204" pitchFamily="34" charset="0"/>
               </a:rPr>
-              <a:t>    .save()</a:t>
+              <a:t>13.    	.save()</a:t>
             </a:r>
           </a:p>
         </p:txBody>
@@ -7586,7 +7739,7 @@
         </p:nvSpPr>
         <p:spPr>
           <a:xfrm>
-            <a:off x="612139" y="1470315"/>
+            <a:off x="603495" y="1046366"/>
             <a:ext cx="5955809" cy="3858770"/>
           </a:xfrm>
           <a:prstGeom prst="rect">
@@ -7595,7 +7748,7 @@
         </p:spPr>
         <p:txBody>
           <a:bodyPr vert="horz" lIns="91440" tIns="45720" rIns="91440" bIns="45720" rtlCol="0">
-            <a:normAutofit fontScale="85000" lnSpcReduction="20000"/>
+            <a:normAutofit fontScale="92500" lnSpcReduction="20000"/>
           </a:bodyPr>
           <a:lstStyle>
             <a:lvl1pPr marL="228600" indent="-228600" algn="l" defTabSz="914400" rtl="0" eaLnBrk="1" latinLnBrk="0" hangingPunct="1">
@@ -7779,29 +7932,80 @@
             </a:r>
           </a:p>
           <a:p>
+            <a:pPr marL="539750" indent="-182563">
+              <a:buFont typeface="Arial" panose="020B0604020202020204" pitchFamily="34" charset="0"/>
+              <a:buNone/>
+            </a:pPr>
+            <a:r>
+              <a:rPr lang="es-MX" sz="2400" dirty="0"/>
+              <a:t>- Docker desktop </a:t>
+            </a:r>
+            <a:r>
+              <a:rPr lang="es-MX" sz="2400" dirty="0">
+                <a:sym typeface="Wingdings" panose="05000000000000000000" pitchFamily="2" charset="2"/>
+              </a:rPr>
+              <a:t></a:t>
+            </a:r>
+            <a:r>
+              <a:rPr lang="es-MX" sz="2400" dirty="0"/>
+              <a:t> </a:t>
+            </a:r>
+            <a:r>
+              <a:rPr lang="es-MX" sz="2400" dirty="0" err="1"/>
+              <a:t>Containers</a:t>
+            </a:r>
+            <a:r>
+              <a:rPr lang="es-MX" sz="2400" dirty="0"/>
+              <a:t> </a:t>
+            </a:r>
+            <a:r>
+              <a:rPr lang="es-MX" sz="2400" dirty="0">
+                <a:sym typeface="Wingdings" panose="05000000000000000000" pitchFamily="2" charset="2"/>
+              </a:rPr>
+              <a:t></a:t>
+            </a:r>
+            <a:r>
+              <a:rPr lang="es-MX" sz="2400" dirty="0"/>
+              <a:t> neo4j_iteso -&gt; EXEC </a:t>
+            </a:r>
+          </a:p>
+          <a:p>
             <a:pPr marL="0" indent="0">
               <a:buFont typeface="Arial" panose="020B0604020202020204" pitchFamily="34" charset="0"/>
               <a:buNone/>
             </a:pPr>
-            <a:r>
-              <a:rPr lang="es-MX" dirty="0"/>
-              <a:t>- Docker desktop –&gt; </a:t>
-            </a:r>
-            <a:r>
-              <a:rPr lang="es-MX" dirty="0" err="1"/>
-              <a:t>Containers</a:t>
-            </a:r>
-            <a:r>
-              <a:rPr lang="es-MX" dirty="0"/>
-              <a:t> –&gt; neo4j_iteso -&gt; EXEC </a:t>
-            </a:r>
+            <a:endParaRPr lang="es-MX" dirty="0"/>
           </a:p>
           <a:p>
             <a:pPr marL="0" indent="0">
               <a:buFont typeface="Arial" panose="020B0604020202020204" pitchFamily="34" charset="0"/>
               <a:buNone/>
             </a:pPr>
-            <a:endParaRPr lang="es-MX" dirty="0"/>
+            <a:r>
+              <a:rPr lang="de" sz="3200" b="1" dirty="0"/>
+              <a:t>Run neo4j shell:</a:t>
+            </a:r>
+          </a:p>
+          <a:p>
+            <a:pPr marL="357188" indent="0">
+              <a:buFont typeface="Arial" panose="020B0604020202020204" pitchFamily="34" charset="0"/>
+              <a:buNone/>
+            </a:pPr>
+            <a:r>
+              <a:rPr lang="de" sz="2400" b="1" dirty="0"/>
+              <a:t>- </a:t>
+            </a:r>
+            <a:r>
+              <a:rPr lang="en-US" sz="2200" i="1" dirty="0"/>
+              <a:t>cypher-shell -u neo4j -p 123456789</a:t>
+            </a:r>
+            <a:endParaRPr lang="de" sz="2200" i="1" dirty="0"/>
+          </a:p>
+          <a:p>
+            <a:pPr marL="457200" lvl="1" indent="0">
+              <a:buNone/>
+            </a:pPr>
+            <a:endParaRPr lang="de" dirty="0"/>
           </a:p>
           <a:p>
             <a:pPr marL="0" indent="0">
@@ -7810,57 +8014,26 @@
             </a:pPr>
             <a:r>
               <a:rPr lang="de" sz="3200" b="1" dirty="0"/>
-              <a:t>Run neo4j shell:</a:t>
-            </a:r>
-          </a:p>
-          <a:p>
-            <a:pPr marL="0" indent="0">
+              <a:t>Display all labels:</a:t>
+            </a:r>
+          </a:p>
+          <a:p>
+            <a:pPr marL="357188" indent="0">
               <a:buFont typeface="Arial" panose="020B0604020202020204" pitchFamily="34" charset="0"/>
               <a:buNone/>
             </a:pPr>
             <a:r>
-              <a:rPr lang="de" sz="3200" b="1" dirty="0"/>
+              <a:rPr lang="de" sz="2200" b="1" dirty="0"/>
               <a:t>- </a:t>
             </a:r>
             <a:r>
-              <a:rPr lang="en-US" dirty="0"/>
-              <a:t>cypher-shell -u neo4j -p 123456789</a:t>
-            </a:r>
-            <a:endParaRPr lang="de" dirty="0"/>
-          </a:p>
-          <a:p>
-            <a:pPr marL="457200" lvl="1" indent="0">
-              <a:buNone/>
-            </a:pPr>
-            <a:endParaRPr lang="de" dirty="0"/>
-          </a:p>
-          <a:p>
-            <a:pPr marL="0" indent="0">
-              <a:buFont typeface="Arial" panose="020B0604020202020204" pitchFamily="34" charset="0"/>
-              <a:buNone/>
-            </a:pPr>
-            <a:r>
-              <a:rPr lang="de" sz="3200" b="1" dirty="0"/>
-              <a:t>Display all labels:</a:t>
-            </a:r>
-          </a:p>
-          <a:p>
-            <a:pPr marL="0" indent="0">
-              <a:buFont typeface="Arial" panose="020B0604020202020204" pitchFamily="34" charset="0"/>
-              <a:buNone/>
-            </a:pPr>
-            <a:r>
-              <a:rPr lang="de" sz="3200" b="1" dirty="0"/>
-              <a:t>- </a:t>
-            </a:r>
-            <a:r>
-              <a:rPr lang="en-US" dirty="0"/>
+              <a:rPr lang="en-US" sz="2200" i="1" dirty="0"/>
               <a:t>MATCH (n) RETURN DISTINCT labels(n);</a:t>
             </a:r>
           </a:p>
           <a:p>
             <a:pPr lvl="1"/>
-            <a:endParaRPr lang="de" dirty="0"/>
+            <a:endParaRPr lang="de" i="1" dirty="0"/>
           </a:p>
           <a:p>
             <a:pPr lvl="1"/>
@@ -7900,8 +8073,8 @@
         </p:blipFill>
         <p:spPr>
           <a:xfrm>
-            <a:off x="5493104" y="1444118"/>
-            <a:ext cx="6616834" cy="1955582"/>
+            <a:off x="5709788" y="4413463"/>
+            <a:ext cx="6264929" cy="1851578"/>
           </a:xfrm>
           <a:prstGeom prst="rect">
             <a:avLst/>
@@ -8001,7 +8174,7 @@
         </p:nvSpPr>
         <p:spPr>
           <a:xfrm>
-            <a:off x="674705" y="424433"/>
+            <a:off x="1066799" y="599001"/>
             <a:ext cx="10058400" cy="682625"/>
           </a:xfrm>
         </p:spPr>
@@ -8054,12 +8227,21 @@
           </a:bodyPr>
           <a:lstStyle/>
           <a:p>
-            <a:pPr>
+            <a:pPr marL="182563">
               <a:spcAft>
                 <a:spcPts val="800"/>
               </a:spcAft>
             </a:pPr>
             <a:r>
+              <a:rPr lang="en-US" i="1" kern="100" dirty="0">
+                <a:effectLst/>
+                <a:latin typeface="Aptos" panose="020B0004020202020204" pitchFamily="34" charset="0"/>
+                <a:ea typeface="Aptos" panose="020B0004020202020204" pitchFamily="34" charset="0"/>
+                <a:cs typeface="Arial" panose="020B0604020202020204" pitchFamily="34" charset="0"/>
+              </a:rPr>
+              <a:t>1.     </a:t>
+            </a:r>
+            <a:r>
               <a:rPr lang="en-US" i="1" kern="100" dirty="0" err="1">
                 <a:effectLst/>
                 <a:latin typeface="Aptos" panose="020B0004020202020204" pitchFamily="34" charset="0"/>
@@ -8097,10 +8279,13 @@
             </a:r>
           </a:p>
           <a:p>
-            <a:pPr>
+            <a:pPr marL="182563">
               <a:spcAft>
                 <a:spcPts val="800"/>
               </a:spcAft>
+              <a:tabLst>
+                <a:tab pos="1071563" algn="l"/>
+              </a:tabLst>
             </a:pPr>
             <a:r>
               <a:rPr lang="en-US" i="1" kern="100" dirty="0">
@@ -8109,14 +8294,17 @@
                 <a:ea typeface="Aptos" panose="020B0004020202020204" pitchFamily="34" charset="0"/>
                 <a:cs typeface="Arial" panose="020B0604020202020204" pitchFamily="34" charset="0"/>
               </a:rPr>
-              <a:t>    .format("org.neo4j.spark.DataSource") \</a:t>
-            </a:r>
-          </a:p>
-          <a:p>
-            <a:pPr>
+              <a:t>2. 	.format("org.neo4j.spark.DataSource") \</a:t>
+            </a:r>
+          </a:p>
+          <a:p>
+            <a:pPr marL="182563">
               <a:spcAft>
                 <a:spcPts val="800"/>
               </a:spcAft>
+              <a:tabLst>
+                <a:tab pos="1071563" algn="l"/>
+              </a:tabLst>
             </a:pPr>
             <a:r>
               <a:rPr lang="en-US" i="1" kern="100" dirty="0">
@@ -8125,7 +8313,7 @@
                 <a:ea typeface="Aptos" panose="020B0004020202020204" pitchFamily="34" charset="0"/>
                 <a:cs typeface="Arial" panose="020B0604020202020204" pitchFamily="34" charset="0"/>
               </a:rPr>
-              <a:t>    .option("</a:t>
+              <a:t>3.     	.option("</a:t>
             </a:r>
             <a:r>
               <a:rPr lang="en-US" i="1" kern="100" dirty="0" err="1">
@@ -8147,10 +8335,13 @@
             </a:r>
           </a:p>
           <a:p>
-            <a:pPr>
+            <a:pPr marL="182563">
               <a:spcAft>
                 <a:spcPts val="800"/>
               </a:spcAft>
+              <a:tabLst>
+                <a:tab pos="1071563" algn="l"/>
+              </a:tabLst>
             </a:pPr>
             <a:r>
               <a:rPr lang="en-US" i="1" kern="100" dirty="0">
@@ -8159,7 +8350,7 @@
                 <a:ea typeface="Aptos" panose="020B0004020202020204" pitchFamily="34" charset="0"/>
                 <a:cs typeface="Arial" panose="020B0604020202020204" pitchFamily="34" charset="0"/>
               </a:rPr>
-              <a:t>    .option("</a:t>
+              <a:t>4.     	.option("</a:t>
             </a:r>
             <a:r>
               <a:rPr lang="en-US" i="1" kern="100" dirty="0" err="1">
@@ -8181,10 +8372,13 @@
             </a:r>
           </a:p>
           <a:p>
-            <a:pPr>
+            <a:pPr marL="182563">
               <a:spcAft>
                 <a:spcPts val="800"/>
               </a:spcAft>
+              <a:tabLst>
+                <a:tab pos="1071563" algn="l"/>
+              </a:tabLst>
             </a:pPr>
             <a:r>
               <a:rPr lang="en-US" i="1" kern="100" dirty="0">
@@ -8193,7 +8387,7 @@
                 <a:ea typeface="Aptos" panose="020B0004020202020204" pitchFamily="34" charset="0"/>
                 <a:cs typeface="Arial" panose="020B0604020202020204" pitchFamily="34" charset="0"/>
               </a:rPr>
-              <a:t>    .option("</a:t>
+              <a:t>5.     	.option("</a:t>
             </a:r>
             <a:r>
               <a:rPr lang="en-US" i="1" kern="100" dirty="0" err="1">
@@ -8215,10 +8409,13 @@
             </a:r>
           </a:p>
           <a:p>
-            <a:pPr>
+            <a:pPr marL="182563">
               <a:spcAft>
                 <a:spcPts val="800"/>
               </a:spcAft>
+              <a:tabLst>
+                <a:tab pos="1071563" algn="l"/>
+              </a:tabLst>
             </a:pPr>
             <a:r>
               <a:rPr lang="en-US" i="1" kern="100" dirty="0">
@@ -8227,7 +8424,7 @@
                 <a:ea typeface="Aptos" panose="020B0004020202020204" pitchFamily="34" charset="0"/>
                 <a:cs typeface="Arial" panose="020B0604020202020204" pitchFamily="34" charset="0"/>
               </a:rPr>
-              <a:t>    .option("</a:t>
+              <a:t>6.     	.option("</a:t>
             </a:r>
             <a:r>
               <a:rPr lang="en-US" i="1" kern="100" dirty="0" err="1">
@@ -8249,10 +8446,13 @@
             </a:r>
           </a:p>
           <a:p>
-            <a:pPr>
+            <a:pPr marL="182563">
               <a:spcAft>
                 <a:spcPts val="800"/>
               </a:spcAft>
+              <a:tabLst>
+                <a:tab pos="1071563" algn="l"/>
+              </a:tabLst>
             </a:pPr>
             <a:r>
               <a:rPr lang="en-US" i="1" kern="100" dirty="0">
@@ -8261,15 +8461,26 @@
                 <a:ea typeface="Aptos" panose="020B0004020202020204" pitchFamily="34" charset="0"/>
                 <a:cs typeface="Arial" panose="020B0604020202020204" pitchFamily="34" charset="0"/>
               </a:rPr>
-              <a:t>    .option("labels", ":Product") \</a:t>
-            </a:r>
-          </a:p>
-          <a:p>
-            <a:pPr>
+              <a:t>7.     	.option("labels", ":Product") \</a:t>
+            </a:r>
+          </a:p>
+          <a:p>
+            <a:pPr marL="182563">
               <a:spcAft>
                 <a:spcPts val="800"/>
               </a:spcAft>
-            </a:pPr>
+              <a:tabLst>
+                <a:tab pos="1071563" algn="l"/>
+              </a:tabLst>
+            </a:pPr>
+            <a:r>
+              <a:rPr lang="en-US" i="1" kern="100" dirty="0">
+                <a:latin typeface="Aptos" panose="020B0004020202020204" pitchFamily="34" charset="0"/>
+                <a:ea typeface="Aptos" panose="020B0004020202020204" pitchFamily="34" charset="0"/>
+                <a:cs typeface="Arial" panose="020B0604020202020204" pitchFamily="34" charset="0"/>
+              </a:rPr>
+              <a:t>8.</a:t>
+            </a:r>
             <a:r>
               <a:rPr lang="en-US" i="1" kern="100" dirty="0">
                 <a:effectLst/>
@@ -8277,7 +8488,7 @@
                 <a:ea typeface="Aptos" panose="020B0004020202020204" pitchFamily="34" charset="0"/>
                 <a:cs typeface="Arial" panose="020B0604020202020204" pitchFamily="34" charset="0"/>
               </a:rPr>
-              <a:t>    .load()</a:t>
+              <a:t>    	.load()</a:t>
             </a:r>
           </a:p>
         </p:txBody>
